--- a/pubs/talks/2010/2010workshop/control.pptx
+++ b/pubs/talks/2010/2010workshop/control.pptx
@@ -503,7 +503,7 @@
         <p:nvSpPr>
           <p:cNvPr id="13316" name="Rectangle 4"/>
           <p:cNvSpPr>
-            <a:spLocks noChangeArrowheads="1" noTextEdit="1"/>
+            <a:spLocks noGrp="1" noRot="1" noChangeAspect="1" noChangeArrowheads="1" noTextEdit="1"/>
           </p:cNvSpPr>
           <p:nvPr>
             <p:ph type="sldImg" idx="2"/>
@@ -867,7 +867,7 @@
         <p:nvSpPr>
           <p:cNvPr id="1026" name="Rectangle 2"/>
           <p:cNvSpPr>
-            <a:spLocks noChangeArrowheads="1" noTextEdit="1"/>
+            <a:spLocks noGrp="1" noRot="1" noChangeAspect="1" noChangeArrowheads="1" noTextEdit="1"/>
           </p:cNvSpPr>
           <p:nvPr>
             <p:ph type="sldImg"/>
@@ -951,7 +951,7 @@
         <p:nvSpPr>
           <p:cNvPr id="117762" name="Rectangle 2"/>
           <p:cNvSpPr>
-            <a:spLocks noChangeArrowheads="1"/>
+            <a:spLocks noGrp="1" noRot="1" noChangeAspect="1" noChangeArrowheads="1"/>
           </p:cNvSpPr>
           <p:nvPr>
             <p:ph type="sldImg"/>
@@ -982,7 +982,7 @@
         <p:nvSpPr>
           <p:cNvPr id="117763" name="Rectangle 3"/>
           <p:cNvSpPr>
-            <a:spLocks noChangeArrowheads="1"/>
+            <a:spLocks noGrp="1" noChangeArrowheads="1"/>
           </p:cNvSpPr>
           <p:nvPr>
             <p:ph type="body" idx="1"/>
@@ -1075,7 +1075,7 @@
         <p:nvSpPr>
           <p:cNvPr id="99330" name="Rectangle 2"/>
           <p:cNvSpPr>
-            <a:spLocks noChangeArrowheads="1" noTextEdit="1"/>
+            <a:spLocks noGrp="1" noRot="1" noChangeAspect="1" noChangeArrowheads="1" noTextEdit="1"/>
           </p:cNvSpPr>
           <p:nvPr>
             <p:ph type="sldImg"/>
@@ -1159,7 +1159,7 @@
         <p:nvSpPr>
           <p:cNvPr id="35842" name="Rectangle 2"/>
           <p:cNvSpPr>
-            <a:spLocks noChangeArrowheads="1" noTextEdit="1"/>
+            <a:spLocks noGrp="1" noRot="1" noChangeAspect="1" noChangeArrowheads="1" noTextEdit="1"/>
           </p:cNvSpPr>
           <p:nvPr>
             <p:ph type="sldImg"/>
@@ -1243,7 +1243,7 @@
         <p:nvSpPr>
           <p:cNvPr id="59394" name="Rectangle 2"/>
           <p:cNvSpPr>
-            <a:spLocks noChangeArrowheads="1" noTextEdit="1"/>
+            <a:spLocks noGrp="1" noRot="1" noChangeAspect="1" noChangeArrowheads="1" noTextEdit="1"/>
           </p:cNvSpPr>
           <p:nvPr>
             <p:ph type="sldImg"/>
@@ -1268,7 +1268,7 @@
           <a:bodyPr/>
           <a:lstStyle/>
           <a:p>
-            <a:endParaRPr lang="en-US"/>
+            <a:endParaRPr lang="en-US" dirty="0"/>
           </a:p>
         </p:txBody>
       </p:sp>
@@ -1327,7 +1327,7 @@
         <p:nvSpPr>
           <p:cNvPr id="120834" name="Rectangle 2"/>
           <p:cNvSpPr>
-            <a:spLocks noChangeArrowheads="1" noTextEdit="1"/>
+            <a:spLocks noGrp="1" noRot="1" noChangeAspect="1" noChangeArrowheads="1" noTextEdit="1"/>
           </p:cNvSpPr>
           <p:nvPr>
             <p:ph type="sldImg"/>
@@ -1352,7 +1352,7 @@
           <a:bodyPr/>
           <a:lstStyle/>
           <a:p>
-            <a:endParaRPr lang="en-US"/>
+            <a:endParaRPr lang="en-US" dirty="0"/>
           </a:p>
         </p:txBody>
       </p:sp>
@@ -1411,7 +1411,7 @@
         <p:nvSpPr>
           <p:cNvPr id="100354" name="Rectangle 2"/>
           <p:cNvSpPr>
-            <a:spLocks noChangeArrowheads="1" noTextEdit="1"/>
+            <a:spLocks noGrp="1" noRot="1" noChangeAspect="1" noChangeArrowheads="1" noTextEdit="1"/>
           </p:cNvSpPr>
           <p:nvPr>
             <p:ph type="sldImg"/>
@@ -1436,7 +1436,7 @@
           <a:bodyPr/>
           <a:lstStyle/>
           <a:p>
-            <a:endParaRPr lang="en-US"/>
+            <a:endParaRPr lang="en-US" dirty="0"/>
           </a:p>
         </p:txBody>
       </p:sp>
@@ -1495,7 +1495,7 @@
         <p:nvSpPr>
           <p:cNvPr id="101378" name="Rectangle 2"/>
           <p:cNvSpPr>
-            <a:spLocks noChangeArrowheads="1" noTextEdit="1"/>
+            <a:spLocks noGrp="1" noRot="1" noChangeAspect="1" noChangeArrowheads="1" noTextEdit="1"/>
           </p:cNvSpPr>
           <p:nvPr>
             <p:ph type="sldImg"/>
@@ -1579,7 +1579,7 @@
         <p:nvSpPr>
           <p:cNvPr id="44034" name="Rectangle 2"/>
           <p:cNvSpPr>
-            <a:spLocks noChangeArrowheads="1" noTextEdit="1"/>
+            <a:spLocks noGrp="1" noRot="1" noChangeAspect="1" noChangeArrowheads="1" noTextEdit="1"/>
           </p:cNvSpPr>
           <p:nvPr>
             <p:ph type="sldImg"/>
@@ -1663,7 +1663,7 @@
         <p:nvSpPr>
           <p:cNvPr id="51202" name="Rectangle 2"/>
           <p:cNvSpPr>
-            <a:spLocks noChangeArrowheads="1" noTextEdit="1"/>
+            <a:spLocks noGrp="1" noRot="1" noChangeAspect="1" noChangeArrowheads="1" noTextEdit="1"/>
           </p:cNvSpPr>
           <p:nvPr>
             <p:ph type="sldImg"/>
@@ -1747,7 +1747,7 @@
         <p:nvSpPr>
           <p:cNvPr id="38914" name="Rectangle 2"/>
           <p:cNvSpPr>
-            <a:spLocks noChangeArrowheads="1" noTextEdit="1"/>
+            <a:spLocks noGrp="1" noRot="1" noChangeAspect="1" noChangeArrowheads="1" noTextEdit="1"/>
           </p:cNvSpPr>
           <p:nvPr>
             <p:ph type="sldImg"/>
@@ -1831,7 +1831,7 @@
         <p:nvSpPr>
           <p:cNvPr id="62466" name="Rectangle 2"/>
           <p:cNvSpPr>
-            <a:spLocks noChangeArrowheads="1"/>
+            <a:spLocks noGrp="1" noRot="1" noChangeAspect="1" noChangeArrowheads="1"/>
           </p:cNvSpPr>
           <p:nvPr>
             <p:ph type="sldImg"/>
@@ -1862,7 +1862,7 @@
         <p:nvSpPr>
           <p:cNvPr id="62467" name="Rectangle 3"/>
           <p:cNvSpPr>
-            <a:spLocks noChangeArrowheads="1"/>
+            <a:spLocks noGrp="1" noChangeArrowheads="1"/>
           </p:cNvSpPr>
           <p:nvPr>
             <p:ph type="body" idx="1"/>
@@ -1955,7 +1955,7 @@
         <p:nvSpPr>
           <p:cNvPr id="58370" name="Rectangle 2"/>
           <p:cNvSpPr>
-            <a:spLocks noChangeArrowheads="1" noTextEdit="1"/>
+            <a:spLocks noGrp="1" noRot="1" noChangeAspect="1" noChangeArrowheads="1" noTextEdit="1"/>
           </p:cNvSpPr>
           <p:nvPr>
             <p:ph type="sldImg"/>
@@ -2039,7 +2039,7 @@
         <p:nvSpPr>
           <p:cNvPr id="53250" name="Rectangle 2"/>
           <p:cNvSpPr>
-            <a:spLocks noChangeArrowheads="1" noTextEdit="1"/>
+            <a:spLocks noGrp="1" noRot="1" noChangeAspect="1" noChangeArrowheads="1" noTextEdit="1"/>
           </p:cNvSpPr>
           <p:nvPr>
             <p:ph type="sldImg"/>
@@ -2123,7 +2123,7 @@
         <p:nvSpPr>
           <p:cNvPr id="60418" name="Rectangle 2"/>
           <p:cNvSpPr>
-            <a:spLocks noChangeArrowheads="1" noTextEdit="1"/>
+            <a:spLocks noGrp="1" noRot="1" noChangeAspect="1" noChangeArrowheads="1" noTextEdit="1"/>
           </p:cNvSpPr>
           <p:nvPr>
             <p:ph type="sldImg"/>
@@ -2207,7 +2207,7 @@
         <p:nvSpPr>
           <p:cNvPr id="111618" name="Rectangle 2"/>
           <p:cNvSpPr>
-            <a:spLocks noChangeArrowheads="1" noTextEdit="1"/>
+            <a:spLocks noGrp="1" noRot="1" noChangeAspect="1" noChangeArrowheads="1" noTextEdit="1"/>
           </p:cNvSpPr>
           <p:nvPr>
             <p:ph type="sldImg"/>
@@ -2291,7 +2291,7 @@
         <p:nvSpPr>
           <p:cNvPr id="46082" name="Rectangle 2"/>
           <p:cNvSpPr>
-            <a:spLocks noChangeArrowheads="1" noTextEdit="1"/>
+            <a:spLocks noGrp="1" noRot="1" noChangeAspect="1" noChangeArrowheads="1" noTextEdit="1"/>
           </p:cNvSpPr>
           <p:nvPr>
             <p:ph type="sldImg"/>
@@ -2375,7 +2375,7 @@
         <p:nvSpPr>
           <p:cNvPr id="122882" name="Rectangle 2"/>
           <p:cNvSpPr>
-            <a:spLocks noChangeArrowheads="1" noTextEdit="1"/>
+            <a:spLocks noGrp="1" noRot="1" noChangeAspect="1" noChangeArrowheads="1" noTextEdit="1"/>
           </p:cNvSpPr>
           <p:nvPr>
             <p:ph type="sldImg"/>
@@ -2459,7 +2459,7 @@
         <p:nvSpPr>
           <p:cNvPr id="98306" name="Rectangle 2"/>
           <p:cNvSpPr>
-            <a:spLocks noChangeArrowheads="1" noTextEdit="1"/>
+            <a:spLocks noGrp="1" noRot="1" noChangeAspect="1" noChangeArrowheads="1" noTextEdit="1"/>
           </p:cNvSpPr>
           <p:nvPr>
             <p:ph type="sldImg"/>
@@ -2543,7 +2543,7 @@
         <p:nvSpPr>
           <p:cNvPr id="30722" name="Rectangle 2"/>
           <p:cNvSpPr>
-            <a:spLocks noChangeArrowheads="1" noTextEdit="1"/>
+            <a:spLocks noGrp="1" noRot="1" noChangeAspect="1" noChangeArrowheads="1" noTextEdit="1"/>
           </p:cNvSpPr>
           <p:nvPr>
             <p:ph type="sldImg"/>
@@ -2627,7 +2627,7 @@
         <p:nvSpPr>
           <p:cNvPr id="57346" name="Rectangle 2"/>
           <p:cNvSpPr>
-            <a:spLocks noChangeArrowheads="1"/>
+            <a:spLocks noGrp="1" noRot="1" noChangeAspect="1" noChangeArrowheads="1"/>
           </p:cNvSpPr>
           <p:nvPr>
             <p:ph type="sldImg"/>
@@ -2658,7 +2658,7 @@
         <p:nvSpPr>
           <p:cNvPr id="57347" name="Rectangle 3"/>
           <p:cNvSpPr>
-            <a:spLocks noChangeArrowheads="1"/>
+            <a:spLocks noGrp="1" noChangeArrowheads="1"/>
           </p:cNvSpPr>
           <p:nvPr>
             <p:ph type="body" idx="1"/>
@@ -2751,7 +2751,7 @@
         <p:nvSpPr>
           <p:cNvPr id="125954" name="Rectangle 2"/>
           <p:cNvSpPr>
-            <a:spLocks noChangeArrowheads="1"/>
+            <a:spLocks noGrp="1" noRot="1" noChangeAspect="1" noChangeArrowheads="1"/>
           </p:cNvSpPr>
           <p:nvPr>
             <p:ph type="sldImg"/>
@@ -2782,7 +2782,7 @@
         <p:nvSpPr>
           <p:cNvPr id="125955" name="Rectangle 3"/>
           <p:cNvSpPr>
-            <a:spLocks noChangeArrowheads="1"/>
+            <a:spLocks noGrp="1" noChangeArrowheads="1"/>
           </p:cNvSpPr>
           <p:nvPr>
             <p:ph type="body" idx="1"/>
@@ -2875,7 +2875,7 @@
         <p:nvSpPr>
           <p:cNvPr id="29698" name="Rectangle 2"/>
           <p:cNvSpPr>
-            <a:spLocks noChangeArrowheads="1" noTextEdit="1"/>
+            <a:spLocks noGrp="1" noRot="1" noChangeAspect="1" noChangeArrowheads="1" noTextEdit="1"/>
           </p:cNvSpPr>
           <p:nvPr>
             <p:ph type="sldImg"/>
@@ -2959,7 +2959,7 @@
         <p:nvSpPr>
           <p:cNvPr id="31746" name="Rectangle 2"/>
           <p:cNvSpPr>
-            <a:spLocks noChangeArrowheads="1" noTextEdit="1"/>
+            <a:spLocks noGrp="1" noRot="1" noChangeAspect="1" noChangeArrowheads="1" noTextEdit="1"/>
           </p:cNvSpPr>
           <p:nvPr>
             <p:ph type="sldImg"/>
@@ -3043,7 +3043,7 @@
         <p:nvSpPr>
           <p:cNvPr id="32770" name="Rectangle 2"/>
           <p:cNvSpPr>
-            <a:spLocks noChangeArrowheads="1" noTextEdit="1"/>
+            <a:spLocks noGrp="1" noRot="1" noChangeAspect="1" noChangeArrowheads="1" noTextEdit="1"/>
           </p:cNvSpPr>
           <p:nvPr>
             <p:ph type="sldImg"/>
@@ -3068,7 +3068,7 @@
           <a:bodyPr/>
           <a:lstStyle/>
           <a:p>
-            <a:endParaRPr lang="en-US"/>
+            <a:endParaRPr lang="en-US" dirty="0"/>
           </a:p>
         </p:txBody>
       </p:sp>
@@ -3127,7 +3127,7 @@
         <p:nvSpPr>
           <p:cNvPr id="33794" name="Rectangle 2"/>
           <p:cNvSpPr>
-            <a:spLocks noChangeArrowheads="1" noTextEdit="1"/>
+            <a:spLocks noGrp="1" noRot="1" noChangeAspect="1" noChangeArrowheads="1" noTextEdit="1"/>
           </p:cNvSpPr>
           <p:nvPr>
             <p:ph type="sldImg"/>
@@ -3152,7 +3152,11 @@
           <a:bodyPr/>
           <a:lstStyle/>
           <a:p>
-            <a:endParaRPr lang="en-US"/>
+            <a:r>
+              <a:rPr lang="en-US" dirty="0" smtClean="0"/>
+              <a:t>XXXXX</a:t>
+            </a:r>
+            <a:endParaRPr lang="en-US" dirty="0"/>
           </a:p>
         </p:txBody>
       </p:sp>
@@ -3211,7 +3215,7 @@
         <p:nvSpPr>
           <p:cNvPr id="37890" name="Rectangle 2"/>
           <p:cNvSpPr>
-            <a:spLocks noChangeArrowheads="1" noTextEdit="1"/>
+            <a:spLocks noGrp="1" noRot="1" noChangeAspect="1" noChangeArrowheads="1" noTextEdit="1"/>
           </p:cNvSpPr>
           <p:nvPr>
             <p:ph type="sldImg"/>
@@ -3295,7 +3299,7 @@
         <p:nvSpPr>
           <p:cNvPr id="113666" name="Rectangle 2"/>
           <p:cNvSpPr>
-            <a:spLocks noChangeArrowheads="1"/>
+            <a:spLocks noGrp="1" noRot="1" noChangeAspect="1" noChangeArrowheads="1"/>
           </p:cNvSpPr>
           <p:nvPr>
             <p:ph type="sldImg"/>
@@ -3326,7 +3330,7 @@
         <p:nvSpPr>
           <p:cNvPr id="113667" name="Rectangle 3"/>
           <p:cNvSpPr>
-            <a:spLocks noChangeArrowheads="1"/>
+            <a:spLocks noGrp="1" noChangeArrowheads="1"/>
           </p:cNvSpPr>
           <p:nvPr>
             <p:ph type="body" idx="1"/>
@@ -3419,7 +3423,7 @@
         <p:nvSpPr>
           <p:cNvPr id="119810" name="Rectangle 2"/>
           <p:cNvSpPr>
-            <a:spLocks noChangeArrowheads="1" noTextEdit="1"/>
+            <a:spLocks noGrp="1" noRot="1" noChangeAspect="1" noChangeArrowheads="1" noTextEdit="1"/>
           </p:cNvSpPr>
           <p:nvPr>
             <p:ph type="sldImg"/>
@@ -8639,7 +8643,7 @@
           <a:lstStyle/>
           <a:p>
             <a:r>
-              <a:rPr lang="en-US"/>
+              <a:rPr lang="en-US" dirty="0"/>
               <a:t>Step 3a:  Find reporter to execute</a:t>
             </a:r>
           </a:p>
@@ -8931,10 +8935,10 @@
           <a:p>
             <a:pPr lvl="1"/>
             <a:r>
-              <a:rPr lang="en-US" dirty="0" smtClean="0">
+              <a:rPr lang="en-US" dirty="0" err="1" smtClean="0">
                 <a:latin typeface="Courier" charset="0"/>
               </a:rPr>
-              <a:t>flash</a:t>
+              <a:t>CentOS</a:t>
             </a:r>
             <a:endParaRPr lang="en-US" dirty="0">
               <a:latin typeface="Courier" charset="0"/>
@@ -9029,14 +9033,14 @@
           <a:p>
             <a:pPr algn="ctr"/>
             <a:r>
-              <a:rPr lang="en-US" sz="2000">
+              <a:rPr lang="en-US" sz="2000" dirty="0" smtClean="0">
                 <a:solidFill>
                   <a:schemeClr val="bg1"/>
                 </a:solidFill>
               </a:rPr>
-              <a:t>SDSC</a:t>
-            </a:r>
-            <a:endParaRPr lang="en-US"/>
+              <a:t>TACC</a:t>
+            </a:r>
+            <a:endParaRPr lang="en-US" dirty="0"/>
           </a:p>
         </p:txBody>
       </p:sp>
@@ -9076,12 +9080,16 @@
           <a:p>
             <a:pPr algn="ctr"/>
             <a:r>
-              <a:rPr lang="en-US" sz="2000" dirty="0" err="1"/>
-              <a:t>sdsc</a:t>
+              <a:rPr lang="en-US" sz="2000" dirty="0" err="1" smtClean="0"/>
+              <a:t>t</a:t>
+            </a:r>
+            <a:r>
+              <a:rPr lang="en-US" sz="2000" dirty="0" err="1" smtClean="0"/>
+              <a:t>acc</a:t>
             </a:r>
             <a:r>
               <a:rPr lang="en-US" sz="2000" dirty="0" smtClean="0"/>
-              <a:t>-dash</a:t>
+              <a:t>-ranger</a:t>
             </a:r>
             <a:endParaRPr lang="en-US" dirty="0"/>
           </a:p>
@@ -9123,16 +9131,16 @@
           <a:p>
             <a:pPr algn="ctr"/>
             <a:r>
-              <a:rPr lang="en-US" sz="2000" dirty="0" err="1"/>
-              <a:t>s</a:t>
-            </a:r>
-            <a:r>
               <a:rPr lang="en-US" sz="2000" dirty="0" err="1" smtClean="0"/>
-              <a:t>dsc</a:t>
+              <a:t>t</a:t>
+            </a:r>
+            <a:r>
+              <a:rPr lang="en-US" sz="2000" dirty="0" err="1" smtClean="0"/>
+              <a:t>acc</a:t>
             </a:r>
             <a:r>
               <a:rPr lang="en-US" sz="2000" dirty="0" smtClean="0"/>
-              <a:t>-triton</a:t>
+              <a:t>-spur</a:t>
             </a:r>
             <a:endParaRPr lang="en-US" dirty="0"/>
           </a:p>
@@ -9261,12 +9269,16 @@
           <a:p>
             <a:pPr algn="ctr"/>
             <a:r>
-              <a:rPr lang="en-US" sz="2000" dirty="0" err="1"/>
-              <a:t>ncsa</a:t>
-            </a:r>
-            <a:r>
               <a:rPr lang="en-US" sz="2000" dirty="0" err="1" smtClean="0"/>
-              <a:t>-abe</a:t>
+              <a:t>s</a:t>
+            </a:r>
+            <a:r>
+              <a:rPr lang="en-US" sz="2000" dirty="0" err="1" smtClean="0"/>
+              <a:t>dsc</a:t>
+            </a:r>
+            <a:r>
+              <a:rPr lang="en-US" sz="2000" dirty="0" smtClean="0"/>
+              <a:t>-dash</a:t>
             </a:r>
             <a:endParaRPr lang="en-US" dirty="0"/>
           </a:p>
@@ -9308,14 +9320,14 @@
           <a:p>
             <a:pPr algn="ctr"/>
             <a:r>
-              <a:rPr lang="en-US" sz="2000">
+              <a:rPr lang="en-US" sz="2000" dirty="0" err="1" smtClean="0">
                 <a:solidFill>
                   <a:schemeClr val="bg1"/>
                 </a:solidFill>
               </a:rPr>
-              <a:t>IA-64</a:t>
-            </a:r>
-            <a:endParaRPr lang="en-US"/>
+              <a:t>CentOS</a:t>
+            </a:r>
+            <a:endParaRPr lang="en-US" dirty="0"/>
           </a:p>
         </p:txBody>
       </p:sp>
@@ -9609,14 +9621,14 @@
           <a:p>
             <a:pPr algn="ctr"/>
             <a:r>
-              <a:rPr lang="en-US" sz="2000">
+              <a:rPr lang="en-US" sz="2000" dirty="0" smtClean="0">
                 <a:solidFill>
                   <a:schemeClr val="bg1"/>
                 </a:solidFill>
               </a:rPr>
-              <a:t>NCSA</a:t>
-            </a:r>
-            <a:endParaRPr lang="en-US"/>
+              <a:t>SDSC</a:t>
+            </a:r>
+            <a:endParaRPr lang="en-US" dirty="0"/>
           </a:p>
         </p:txBody>
       </p:sp>
@@ -10370,7 +10382,7 @@
       </p:sp>
       <p:sp>
         <p:nvSpPr>
-          <p:cNvPr id="118813" name="Rectangle 29"/>
+          <p:cNvPr id="118815" name="Rectangle 31"/>
           <p:cNvSpPr>
             <a:spLocks noChangeArrowheads="1"/>
           </p:cNvSpPr>
@@ -10378,7 +10390,119 @@
         </p:nvSpPr>
         <p:spPr bwMode="auto">
           <a:xfrm>
-            <a:off x="457200" y="5116513"/>
+            <a:off x="2976563" y="4108450"/>
+            <a:ext cx="3429000" cy="269875"/>
+          </a:xfrm>
+          <a:prstGeom prst="rect">
+            <a:avLst/>
+          </a:prstGeom>
+          <a:solidFill>
+            <a:schemeClr val="accent2"/>
+          </a:solidFill>
+          <a:ln w="9525">
+            <a:noFill/>
+            <a:miter lim="800000"/>
+            <a:headEnd/>
+            <a:tailEnd/>
+          </a:ln>
+        </p:spPr>
+        <p:txBody>
+          <a:bodyPr wrap="none" anchor="ctr">
+            <a:prstTxWarp prst="textNoShape">
+              <a:avLst/>
+            </a:prstTxWarp>
+          </a:bodyPr>
+          <a:lstStyle/>
+          <a:p>
+            <a:pPr algn="ctr"/>
+            <a:r>
+              <a:rPr lang="en-US" sz="1800">
+                <a:solidFill>
+                  <a:schemeClr val="bg1"/>
+                </a:solidFill>
+              </a:rPr>
+              <a:t>TeraGrid</a:t>
+            </a:r>
+            <a:endParaRPr lang="en-US" sz="2000"/>
+          </a:p>
+        </p:txBody>
+      </p:sp>
+      <p:sp>
+        <p:nvSpPr>
+          <p:cNvPr id="118816" name="Rectangle 32"/>
+          <p:cNvSpPr>
+            <a:spLocks noChangeArrowheads="1"/>
+          </p:cNvSpPr>
+          <p:nvPr/>
+        </p:nvSpPr>
+        <p:spPr bwMode="auto">
+          <a:xfrm>
+            <a:off x="2946400" y="4414838"/>
+            <a:ext cx="3546475" cy="574675"/>
+          </a:xfrm>
+          <a:prstGeom prst="rect">
+            <a:avLst/>
+          </a:prstGeom>
+          <a:solidFill>
+            <a:schemeClr val="bg1"/>
+          </a:solidFill>
+          <a:ln w="9525">
+            <a:noFill/>
+            <a:miter lim="800000"/>
+            <a:headEnd/>
+            <a:tailEnd/>
+          </a:ln>
+        </p:spPr>
+        <p:txBody>
+          <a:bodyPr wrap="none" anchor="ctr">
+            <a:prstTxWarp prst="textNoShape">
+              <a:avLst/>
+            </a:prstTxWarp>
+          </a:bodyPr>
+          <a:lstStyle/>
+          <a:p>
+            <a:r>
+              <a:rPr lang="en-US" sz="1800" b="1" dirty="0" err="1"/>
+              <a:t>projectId</a:t>
+            </a:r>
+            <a:r>
+              <a:rPr lang="en-US" sz="1800" b="1" dirty="0"/>
+              <a:t> </a:t>
+            </a:r>
+            <a:r>
+              <a:rPr lang="en-US" sz="1800" dirty="0"/>
+              <a:t>= TG-STA060008N</a:t>
+            </a:r>
+          </a:p>
+          <a:p>
+            <a:r>
+              <a:rPr lang="en-US" sz="1800" b="1" dirty="0"/>
+              <a:t>scheduler</a:t>
+            </a:r>
+            <a:r>
+              <a:rPr lang="en-US" sz="1800" dirty="0"/>
+              <a:t> = PBS </a:t>
+            </a:r>
+            <a:endParaRPr lang="en-US" sz="2000" dirty="0">
+              <a:solidFill>
+                <a:srgbClr val="4F4E68"/>
+              </a:solidFill>
+              <a:latin typeface="Courier" charset="0"/>
+            </a:endParaRPr>
+          </a:p>
+        </p:txBody>
+      </p:sp>
+      <p:sp>
+        <p:nvSpPr>
+          <p:cNvPr id="25" name="Rectangle 28"/>
+          <p:cNvSpPr>
+            <a:spLocks noChangeArrowheads="1"/>
+          </p:cNvSpPr>
+          <p:nvPr/>
+        </p:nvSpPr>
+        <p:spPr bwMode="auto">
+          <a:xfrm>
+            <a:off x="457200" y="5017082"/>
             <a:ext cx="3733800" cy="304800"/>
           </a:xfrm>
           <a:prstGeom prst="rect">
@@ -10404,15 +10528,16 @@
           <a:p>
             <a:pPr algn="ctr"/>
             <a:r>
-              <a:rPr lang="en-US" sz="1800"/>
-              <a:t>DataStar</a:t>
-            </a:r>
-          </a:p>
-        </p:txBody>
-      </p:sp>
-      <p:sp>
-        <p:nvSpPr>
-          <p:cNvPr id="118814" name="Rectangle 30"/>
+              <a:rPr lang="en-US" sz="2000" dirty="0" smtClean="0"/>
+              <a:t>TACC Ranger </a:t>
+            </a:r>
+            <a:endParaRPr lang="en-US" sz="2000" dirty="0"/>
+          </a:p>
+        </p:txBody>
+      </p:sp>
+      <p:sp>
+        <p:nvSpPr>
+          <p:cNvPr id="26" name="Rectangle 31"/>
           <p:cNvSpPr>
             <a:spLocks noChangeArrowheads="1"/>
           </p:cNvSpPr>
@@ -10420,7 +10545,7 @@
         </p:nvSpPr>
         <p:spPr bwMode="auto">
           <a:xfrm>
-            <a:off x="5105400" y="5127625"/>
+            <a:off x="5105400" y="4940882"/>
             <a:ext cx="3733800" cy="381000"/>
           </a:xfrm>
           <a:prstGeom prst="rect">
@@ -10446,15 +10571,27 @@
           <a:p>
             <a:pPr algn="ctr"/>
             <a:r>
-              <a:rPr lang="en-US" sz="1800"/>
-              <a:t>NCSA IA-64 Cluster</a:t>
-            </a:r>
-          </a:p>
-        </p:txBody>
-      </p:sp>
-      <p:sp>
-        <p:nvSpPr>
-          <p:cNvPr id="118815" name="Rectangle 31"/>
+              <a:rPr lang="en-US" sz="2000" dirty="0" smtClean="0"/>
+              <a:t>NCSA</a:t>
+            </a:r>
+            <a:r>
+              <a:rPr lang="en-US" sz="2000" dirty="0" smtClean="0"/>
+              <a:t> Abe</a:t>
+            </a:r>
+            <a:r>
+              <a:rPr lang="en-US" sz="2000" dirty="0" smtClean="0"/>
+              <a:t> </a:t>
+            </a:r>
+            <a:r>
+              <a:rPr lang="en-US" sz="2000" dirty="0"/>
+              <a:t>Cluster</a:t>
+            </a:r>
+          </a:p>
+        </p:txBody>
+      </p:sp>
+      <p:sp>
+        <p:nvSpPr>
+          <p:cNvPr id="27" name="Rectangle 37"/>
           <p:cNvSpPr>
             <a:spLocks noChangeArrowheads="1"/>
           </p:cNvSpPr>
@@ -10462,55 +10599,8 @@
         </p:nvSpPr>
         <p:spPr bwMode="auto">
           <a:xfrm>
-            <a:off x="2976563" y="4108450"/>
-            <a:ext cx="3429000" cy="269875"/>
-          </a:xfrm>
-          <a:prstGeom prst="rect">
-            <a:avLst/>
-          </a:prstGeom>
-          <a:solidFill>
-            <a:schemeClr val="accent2"/>
-          </a:solidFill>
-          <a:ln w="9525">
-            <a:noFill/>
-            <a:miter lim="800000"/>
-            <a:headEnd/>
-            <a:tailEnd/>
-          </a:ln>
-        </p:spPr>
-        <p:txBody>
-          <a:bodyPr wrap="none" anchor="ctr">
-            <a:prstTxWarp prst="textNoShape">
-              <a:avLst/>
-            </a:prstTxWarp>
-          </a:bodyPr>
-          <a:lstStyle/>
-          <a:p>
-            <a:pPr algn="ctr"/>
-            <a:r>
-              <a:rPr lang="en-US" sz="1800">
-                <a:solidFill>
-                  <a:schemeClr val="bg1"/>
-                </a:solidFill>
-              </a:rPr>
-              <a:t>TeraGrid</a:t>
-            </a:r>
-            <a:endParaRPr lang="en-US" sz="2000"/>
-          </a:p>
-        </p:txBody>
-      </p:sp>
-      <p:sp>
-        <p:nvSpPr>
-          <p:cNvPr id="118816" name="Rectangle 32"/>
-          <p:cNvSpPr>
-            <a:spLocks noChangeArrowheads="1"/>
-          </p:cNvSpPr>
-          <p:nvPr/>
-        </p:nvSpPr>
-        <p:spPr bwMode="auto">
-          <a:xfrm>
-            <a:off x="2946400" y="4414838"/>
-            <a:ext cx="3546475" cy="574675"/>
+            <a:off x="259654" y="5437964"/>
+            <a:ext cx="4127158" cy="838200"/>
           </a:xfrm>
           <a:prstGeom prst="rect">
             <a:avLst/>
@@ -10534,35 +10624,53 @@
           <a:lstStyle/>
           <a:p>
             <a:r>
-              <a:rPr lang="en-US" sz="1800" b="1"/>
-              <a:t>projectId </a:t>
-            </a:r>
-            <a:r>
-              <a:rPr lang="en-US" sz="1800"/>
-              <a:t>= TG-STA060008N</a:t>
-            </a:r>
-          </a:p>
-          <a:p>
-            <a:r>
-              <a:rPr lang="en-US" sz="1800" b="1"/>
+              <a:rPr lang="en-US" sz="2000" b="1" dirty="0" err="1"/>
+              <a:t>gramContact</a:t>
+            </a:r>
+            <a:r>
+              <a:rPr lang="en-US" sz="2000" dirty="0"/>
+              <a:t> =</a:t>
+            </a:r>
+            <a:r>
+              <a:rPr lang="en-US" sz="2000" dirty="0" smtClean="0"/>
+              <a:t> </a:t>
+            </a:r>
+            <a:r>
+              <a:rPr lang="en-US" sz="2000" dirty="0" err="1" smtClean="0"/>
+              <a:t>ranger.tacc.utexas.edu</a:t>
+            </a:r>
+            <a:endParaRPr lang="en-US" sz="2000" dirty="0" smtClean="0"/>
+          </a:p>
+          <a:p>
+            <a:r>
+              <a:rPr lang="en-US" sz="2000" b="1" dirty="0"/>
+              <a:t>queue</a:t>
+            </a:r>
+            <a:r>
+              <a:rPr lang="en-US" sz="2000" dirty="0"/>
+              <a:t> = default</a:t>
+            </a:r>
+          </a:p>
+          <a:p>
+            <a:r>
+              <a:rPr lang="en-US" sz="2000" b="1" dirty="0"/>
               <a:t>scheduler</a:t>
             </a:r>
             <a:r>
-              <a:rPr lang="en-US" sz="1800"/>
-              <a:t> = PBS </a:t>
-            </a:r>
-            <a:endParaRPr lang="en-US" sz="2000">
-              <a:solidFill>
-                <a:srgbClr val="4F4E68"/>
-              </a:solidFill>
-              <a:latin typeface="Courier" charset="0"/>
-            </a:endParaRPr>
-          </a:p>
-        </p:txBody>
-      </p:sp>
-      <p:sp>
-        <p:nvSpPr>
-          <p:cNvPr id="118817" name="Rectangle 33"/>
+              <a:rPr lang="en-US" sz="2000" dirty="0"/>
+              <a:t> =</a:t>
+            </a:r>
+            <a:r>
+              <a:rPr lang="en-US" sz="2000" dirty="0" smtClean="0"/>
+              <a:t> SGE</a:t>
+            </a:r>
+            <a:endParaRPr lang="en-US" sz="2800" dirty="0"/>
+          </a:p>
+        </p:txBody>
+      </p:sp>
+      <p:sp>
+        <p:nvSpPr>
+          <p:cNvPr id="28" name="Rectangle 38"/>
           <p:cNvSpPr>
             <a:spLocks noChangeArrowheads="1"/>
           </p:cNvSpPr>
@@ -10570,8 +10678,8 @@
         </p:nvSpPr>
         <p:spPr bwMode="auto">
           <a:xfrm>
-            <a:off x="490538" y="5413375"/>
-            <a:ext cx="3733800" cy="838200"/>
+            <a:off x="5138738" y="5315532"/>
+            <a:ext cx="3733800" cy="746125"/>
           </a:xfrm>
           <a:prstGeom prst="rect">
             <a:avLst/>
@@ -10595,87 +10703,38 @@
           <a:lstStyle/>
           <a:p>
             <a:r>
-              <a:rPr lang="en-US" sz="1800" b="1"/>
+              <a:rPr lang="en-US" sz="2000" b="1" dirty="0" err="1"/>
               <a:t>gramContact</a:t>
             </a:r>
             <a:r>
-              <a:rPr lang="en-US" sz="1800"/>
-              <a:t> = dslogin.sdsc.edu</a:t>
-            </a:r>
-          </a:p>
-          <a:p>
-            <a:r>
-              <a:rPr lang="en-US" sz="1800" b="1"/>
+              <a:rPr lang="en-US" sz="2000" dirty="0"/>
+              <a:t> =</a:t>
+            </a:r>
+            <a:r>
+              <a:rPr lang="en-US" sz="2000" dirty="0" smtClean="0"/>
+              <a:t> </a:t>
+            </a:r>
+            <a:r>
+              <a:rPr lang="en-US" sz="2000" dirty="0" smtClean="0"/>
+              <a:t>grid-</a:t>
+            </a:r>
+            <a:r>
+              <a:rPr lang="en-US" sz="2000" dirty="0" err="1" smtClean="0"/>
+              <a:t>abe</a:t>
+            </a:r>
+            <a:r>
+              <a:rPr lang="en-US" sz="2000" dirty="0" err="1" smtClean="0"/>
+              <a:t>.ncsa.edu</a:t>
+            </a:r>
+            <a:endParaRPr lang="en-US" sz="2000" dirty="0"/>
+          </a:p>
+          <a:p>
+            <a:r>
+              <a:rPr lang="en-US" sz="2000" b="1" dirty="0"/>
               <a:t>queue</a:t>
             </a:r>
             <a:r>
-              <a:rPr lang="en-US" sz="1800"/>
-              <a:t> = default</a:t>
-            </a:r>
-          </a:p>
-          <a:p>
-            <a:r>
-              <a:rPr lang="en-US" sz="1800" b="1"/>
-              <a:t>scheduler</a:t>
-            </a:r>
-            <a:r>
-              <a:rPr lang="en-US" sz="1800"/>
-              <a:t> = LSF</a:t>
-            </a:r>
-            <a:endParaRPr lang="en-US"/>
-          </a:p>
-        </p:txBody>
-      </p:sp>
-      <p:sp>
-        <p:nvSpPr>
-          <p:cNvPr id="118818" name="Rectangle 34"/>
-          <p:cNvSpPr>
-            <a:spLocks noChangeArrowheads="1"/>
-          </p:cNvSpPr>
-          <p:nvPr/>
-        </p:nvSpPr>
-        <p:spPr bwMode="auto">
-          <a:xfrm>
-            <a:off x="5138738" y="5484813"/>
-            <a:ext cx="3733800" cy="746125"/>
-          </a:xfrm>
-          <a:prstGeom prst="rect">
-            <a:avLst/>
-          </a:prstGeom>
-          <a:solidFill>
-            <a:schemeClr val="bg1"/>
-          </a:solidFill>
-          <a:ln w="9525">
-            <a:noFill/>
-            <a:miter lim="800000"/>
-            <a:headEnd/>
-            <a:tailEnd/>
-          </a:ln>
-        </p:spPr>
-        <p:txBody>
-          <a:bodyPr wrap="none" anchor="ctr">
-            <a:prstTxWarp prst="textNoShape">
-              <a:avLst/>
-            </a:prstTxWarp>
-          </a:bodyPr>
-          <a:lstStyle/>
-          <a:p>
-            <a:r>
-              <a:rPr lang="en-US" sz="1800" b="1"/>
-              <a:t>gramContact</a:t>
-            </a:r>
-            <a:r>
-              <a:rPr lang="en-US" sz="1800"/>
-              <a:t> = tg-login.ncsa.edu</a:t>
-            </a:r>
-          </a:p>
-          <a:p>
-            <a:r>
-              <a:rPr lang="en-US" sz="1800" b="1"/>
-              <a:t>queue</a:t>
-            </a:r>
-            <a:r>
-              <a:rPr lang="en-US" sz="1800"/>
+              <a:rPr lang="en-US" sz="2000" dirty="0"/>
               <a:t> = standby</a:t>
             </a:r>
           </a:p>
@@ -10723,7 +10782,7 @@
         </p:nvSpPr>
         <p:spPr bwMode="auto">
           <a:xfrm>
-            <a:off x="407988" y="2066925"/>
+            <a:off x="292548" y="2066925"/>
             <a:ext cx="3489325" cy="2649538"/>
           </a:xfrm>
           <a:prstGeom prst="rect">
@@ -10946,8 +11005,8 @@
         </p:nvSpPr>
         <p:spPr bwMode="auto">
           <a:xfrm>
-            <a:off x="4549775" y="1257300"/>
-            <a:ext cx="2046288" cy="465138"/>
+            <a:off x="4068774" y="1257300"/>
+            <a:ext cx="2155869" cy="465138"/>
           </a:xfrm>
           <a:prstGeom prst="rect">
             <a:avLst/>
@@ -10974,12 +11033,12 @@
           <a:p>
             <a:pPr algn="ctr"/>
             <a:r>
-              <a:rPr lang="en-US" sz="2000">
+              <a:rPr lang="en-US" sz="2000" dirty="0" smtClean="0">
                 <a:latin typeface="Arial" charset="0"/>
               </a:rPr>
-              <a:t>SDSC IA-64</a:t>
-            </a:r>
-            <a:endParaRPr lang="en-US">
+              <a:t>TACC Ranger</a:t>
+            </a:r>
+            <a:endParaRPr lang="en-US" dirty="0">
               <a:latin typeface="Arial" charset="0"/>
             </a:endParaRPr>
           </a:p>
@@ -10995,7 +11054,7 @@
         </p:nvSpPr>
         <p:spPr bwMode="auto">
           <a:xfrm>
-            <a:off x="406400" y="1381125"/>
+            <a:off x="290960" y="1381125"/>
             <a:ext cx="1447800" cy="685800"/>
           </a:xfrm>
           <a:prstGeom prst="rect">
@@ -11050,8 +11109,8 @@
         </p:nvSpPr>
         <p:spPr bwMode="auto">
           <a:xfrm>
-            <a:off x="4567238" y="1722438"/>
-            <a:ext cx="4402137" cy="2649537"/>
+            <a:off x="4078969" y="1722438"/>
+            <a:ext cx="4949591" cy="2649537"/>
           </a:xfrm>
           <a:prstGeom prst="rect">
             <a:avLst/>
@@ -11090,10 +11149,16 @@
               <a:buSzPct val="100000"/>
             </a:pPr>
             <a:r>
-              <a:rPr lang="en-US" sz="1600">
+              <a:rPr lang="en-US" sz="1600" dirty="0" err="1">
                 <a:latin typeface="Courier" charset="0"/>
               </a:rPr>
-              <a:t>grid.middleware.globus.unit.wsgram.jobsubmit \</a:t>
+              <a:t>grid.middleware.globus.unit.wsgram.jobsubmit</a:t>
+            </a:r>
+            <a:r>
+              <a:rPr lang="en-US" sz="1600" dirty="0">
+                <a:latin typeface="Courier" charset="0"/>
+              </a:rPr>
+              <a:t> \</a:t>
             </a:r>
           </a:p>
           <a:p>
@@ -11110,10 +11175,22 @@
               <a:buSzPct val="100000"/>
             </a:pPr>
             <a:r>
-              <a:rPr lang="en-US" sz="1600">
+              <a:rPr lang="en-US" sz="1600" dirty="0">
                 <a:latin typeface="Courier" charset="0"/>
               </a:rPr>
-              <a:t>	-host=”tg-login.sdsc.edu:8443" \</a:t>
+              <a:t>	-host=</a:t>
+            </a:r>
+            <a:r>
+              <a:rPr lang="en-US" sz="1600" dirty="0" smtClean="0">
+                <a:latin typeface="Courier" charset="0"/>
+              </a:rPr>
+              <a:t>”ranger.tacc.utexas.edu:</a:t>
+            </a:r>
+            <a:r>
+              <a:rPr lang="en-US" sz="1600" dirty="0">
+                <a:latin typeface="Courier" charset="0"/>
+              </a:rPr>
+              <a:t>8443" \</a:t>
             </a:r>
           </a:p>
           <a:p>
@@ -11130,7 +11207,7 @@
               <a:buSzPct val="100000"/>
             </a:pPr>
             <a:r>
-              <a:rPr lang="en-US" sz="1600">
+              <a:rPr lang="en-US" sz="1600" dirty="0">
                 <a:latin typeface="Courier" charset="0"/>
               </a:rPr>
               <a:t>	-log="5" \</a:t>
@@ -11150,10 +11227,22 @@
               <a:buSzPct val="100000"/>
             </a:pPr>
             <a:r>
-              <a:rPr lang="en-US" sz="1600">
+              <a:rPr lang="en-US" sz="1600" dirty="0">
                 <a:latin typeface="Courier" charset="0"/>
               </a:rPr>
-              <a:t>	-maxMem="2048" \</a:t>
+              <a:t>	-</a:t>
+            </a:r>
+            <a:r>
+              <a:rPr lang="en-US" sz="1600" dirty="0" err="1">
+                <a:latin typeface="Courier" charset="0"/>
+              </a:rPr>
+              <a:t>maxMem</a:t>
+            </a:r>
+            <a:r>
+              <a:rPr lang="en-US" sz="1600" dirty="0">
+                <a:latin typeface="Courier" charset="0"/>
+              </a:rPr>
+              <a:t>="2048" \</a:t>
             </a:r>
           </a:p>
           <a:p>
@@ -11170,7 +11259,7 @@
               <a:buSzPct val="100000"/>
             </a:pPr>
             <a:r>
-              <a:rPr lang="en-US" sz="1600">
+              <a:rPr lang="en-US" sz="1600" dirty="0">
                 <a:latin typeface="Courier" charset="0"/>
               </a:rPr>
               <a:t>	-nodes="1" \</a:t>
@@ -11190,7 +11279,7 @@
               <a:buSzPct val="100000"/>
             </a:pPr>
             <a:r>
-              <a:rPr lang="en-US" sz="1600">
+              <a:rPr lang="en-US" sz="1600" dirty="0">
                 <a:latin typeface="Courier" charset="0"/>
               </a:rPr>
               <a:t>	-project=”TG-STA060008N" \</a:t>
@@ -11210,7 +11299,7 @@
               <a:buSzPct val="100000"/>
             </a:pPr>
             <a:r>
-              <a:rPr lang="en-US" sz="1600">
+              <a:rPr lang="en-US" sz="1600" dirty="0">
                 <a:latin typeface="Courier" charset="0"/>
               </a:rPr>
               <a:t>	-queue=”@queue@" \</a:t>
@@ -11230,7 +11319,7 @@
               <a:buSzPct val="100000"/>
             </a:pPr>
             <a:r>
-              <a:rPr lang="en-US" sz="1600">
+              <a:rPr lang="en-US" sz="1600" dirty="0">
                 <a:latin typeface="Courier" charset="0"/>
               </a:rPr>
               <a:t>	-scheduler=”@scheduler@"</a:t>
@@ -11288,10 +11377,16 @@
               <a:buSzPct val="100000"/>
             </a:pPr>
             <a:r>
-              <a:rPr lang="en-US" sz="1600">
+              <a:rPr lang="en-US" sz="1600" dirty="0" err="1">
                 <a:latin typeface="Courier" charset="0"/>
               </a:rPr>
-              <a:t>grid.middleware.globus.unit.wsgram.jobsubmit \</a:t>
+              <a:t>grid.middleware.globus.unit.wsgram.jobsubmit</a:t>
+            </a:r>
+            <a:r>
+              <a:rPr lang="en-US" sz="1600" dirty="0">
+                <a:latin typeface="Courier" charset="0"/>
+              </a:rPr>
+              <a:t> \</a:t>
             </a:r>
           </a:p>
           <a:p>
@@ -11308,10 +11403,22 @@
               <a:buSzPct val="100000"/>
             </a:pPr>
             <a:r>
-              <a:rPr lang="en-US" sz="1600">
+              <a:rPr lang="en-US" sz="1600" dirty="0">
                 <a:latin typeface="Courier" charset="0"/>
               </a:rPr>
-              <a:t>	-host=”tg-login.ncsa.edu:8443" \</a:t>
+              <a:t>	-host=</a:t>
+            </a:r>
+            <a:r>
+              <a:rPr lang="en-US" sz="1600" dirty="0" smtClean="0">
+                <a:latin typeface="Courier" charset="0"/>
+              </a:rPr>
+              <a:t>”dash.sdsc.edu:</a:t>
+            </a:r>
+            <a:r>
+              <a:rPr lang="en-US" sz="1600" dirty="0">
+                <a:latin typeface="Courier" charset="0"/>
+              </a:rPr>
+              <a:t>8443" \</a:t>
             </a:r>
           </a:p>
           <a:p>
@@ -11328,7 +11435,7 @@
               <a:buSzPct val="100000"/>
             </a:pPr>
             <a:r>
-              <a:rPr lang="en-US" sz="1600">
+              <a:rPr lang="en-US" sz="1600" dirty="0">
                 <a:latin typeface="Courier" charset="0"/>
               </a:rPr>
               <a:t>	-log="5" \</a:t>
@@ -11348,10 +11455,22 @@
               <a:buSzPct val="100000"/>
             </a:pPr>
             <a:r>
-              <a:rPr lang="en-US" sz="1600">
+              <a:rPr lang="en-US" sz="1600" dirty="0">
                 <a:latin typeface="Courier" charset="0"/>
               </a:rPr>
-              <a:t>	-maxMem="2048" \</a:t>
+              <a:t>	-</a:t>
+            </a:r>
+            <a:r>
+              <a:rPr lang="en-US" sz="1600" dirty="0" err="1">
+                <a:latin typeface="Courier" charset="0"/>
+              </a:rPr>
+              <a:t>maxMem</a:t>
+            </a:r>
+            <a:r>
+              <a:rPr lang="en-US" sz="1600" dirty="0">
+                <a:latin typeface="Courier" charset="0"/>
+              </a:rPr>
+              <a:t>="2048" \</a:t>
             </a:r>
           </a:p>
           <a:p>
@@ -11368,7 +11487,7 @@
               <a:buSzPct val="100000"/>
             </a:pPr>
             <a:r>
-              <a:rPr lang="en-US" sz="1600">
+              <a:rPr lang="en-US" sz="1600" dirty="0">
                 <a:latin typeface="Courier" charset="0"/>
               </a:rPr>
               <a:t>	-nodes="1" \</a:t>
@@ -11388,7 +11507,7 @@
               <a:buSzPct val="100000"/>
             </a:pPr>
             <a:r>
-              <a:rPr lang="en-US" sz="1600">
+              <a:rPr lang="en-US" sz="1600" dirty="0">
                 <a:latin typeface="Courier" charset="0"/>
               </a:rPr>
               <a:t>	-project=”TG-STA060008N" \</a:t>
@@ -11408,7 +11527,7 @@
               <a:buSzPct val="100000"/>
             </a:pPr>
             <a:r>
-              <a:rPr lang="en-US" sz="1600">
+              <a:rPr lang="en-US" sz="1600" dirty="0">
                 <a:latin typeface="Courier" charset="0"/>
               </a:rPr>
               <a:t>	-queue=”standby” \</a:t>
@@ -11428,7 +11547,7 @@
               <a:buSzPct val="100000"/>
             </a:pPr>
             <a:r>
-              <a:rPr lang="en-US" sz="1600">
+              <a:rPr lang="en-US" sz="1600" dirty="0">
                 <a:latin typeface="Courier" charset="0"/>
               </a:rPr>
               <a:t>	-scheduler=”PBS”</a:t>
@@ -11474,12 +11593,12 @@
           <a:p>
             <a:pPr algn="ctr"/>
             <a:r>
-              <a:rPr lang="en-US" sz="2000">
+              <a:rPr lang="en-US" sz="2000" dirty="0" smtClean="0">
                 <a:latin typeface="Arial" charset="0"/>
               </a:rPr>
-              <a:t>NCSA IA-64</a:t>
-            </a:r>
-            <a:endParaRPr lang="en-US">
+              <a:t>SDSC Dash</a:t>
+            </a:r>
+            <a:endParaRPr lang="en-US" dirty="0">
               <a:latin typeface="Arial" charset="0"/>
             </a:endParaRPr>
           </a:p>
@@ -11594,10 +11713,16 @@
               <a:buNone/>
             </a:pPr>
             <a:r>
-              <a:rPr lang="en-US" sz="2000">
+              <a:rPr lang="en-US" sz="2000" dirty="0" err="1">
                 <a:latin typeface="Courier" charset="0"/>
               </a:rPr>
-              <a:t>grid.performance.ping \</a:t>
+              <a:t>grid.performance.ping</a:t>
+            </a:r>
+            <a:r>
+              <a:rPr lang="en-US" sz="2000" dirty="0">
+                <a:latin typeface="Courier" charset="0"/>
+              </a:rPr>
+              <a:t> \</a:t>
             </a:r>
           </a:p>
           <a:p>
@@ -11616,10 +11741,147 @@
               <a:buNone/>
             </a:pPr>
             <a:r>
+              <a:rPr lang="en-US" sz="2000" dirty="0">
+                <a:latin typeface="Courier" charset="0"/>
+              </a:rPr>
+              <a:t>-host</a:t>
+            </a:r>
+            <a:r>
+              <a:rPr lang="en-US" sz="2000" dirty="0" smtClean="0">
+                <a:latin typeface="Courier" charset="0"/>
+              </a:rPr>
+              <a:t>=</a:t>
+            </a:r>
+            <a:r>
+              <a:rPr lang="en-US" sz="2000" dirty="0" err="1" smtClean="0">
+                <a:latin typeface="Courier" charset="0"/>
+              </a:rPr>
+              <a:t>dash</a:t>
+            </a:r>
+            <a:r>
+              <a:rPr lang="en-US" sz="2000" dirty="0" err="1" smtClean="0">
+                <a:latin typeface="Courier" charset="0"/>
+              </a:rPr>
+              <a:t>.sdsc.edu</a:t>
+            </a:r>
+            <a:endParaRPr lang="en-US" sz="2000" dirty="0">
+              <a:latin typeface="Courier" charset="0"/>
+            </a:endParaRPr>
+          </a:p>
+          <a:p>
+            <a:pPr>
+              <a:lnSpc>
+                <a:spcPct val="85000"/>
+              </a:lnSpc>
+              <a:spcBef>
+                <a:spcPct val="20000"/>
+              </a:spcBef>
+              <a:buClr>
+                <a:schemeClr val="tx1"/>
+              </a:buClr>
+              <a:buSzPct val="100000"/>
+            </a:pPr>
+            <a:endParaRPr lang="en-US" sz="2000" dirty="0">
+              <a:latin typeface="Courier" charset="0"/>
+            </a:endParaRPr>
+          </a:p>
+          <a:p>
+            <a:pPr>
+              <a:lnSpc>
+                <a:spcPct val="85000"/>
+              </a:lnSpc>
+              <a:spcBef>
+                <a:spcPct val="20000"/>
+              </a:spcBef>
+              <a:buClr>
+                <a:schemeClr val="tx1"/>
+              </a:buClr>
+              <a:buSzPct val="100000"/>
+              <a:buFontTx/>
+              <a:buChar char="•"/>
+            </a:pPr>
+            <a:endParaRPr lang="en-US" sz="2000" dirty="0">
+              <a:latin typeface="Courier" charset="0"/>
+            </a:endParaRPr>
+          </a:p>
+        </p:txBody>
+      </p:sp>
+      <p:sp>
+        <p:nvSpPr>
+          <p:cNvPr id="77832" name="Rectangle 8"/>
+          <p:cNvSpPr>
+            <a:spLocks noChangeArrowheads="1"/>
+          </p:cNvSpPr>
+          <p:nvPr/>
+        </p:nvSpPr>
+        <p:spPr bwMode="auto">
+          <a:xfrm>
+            <a:off x="5029200" y="3741738"/>
+            <a:ext cx="3886200" cy="762000"/>
+          </a:xfrm>
+          <a:prstGeom prst="rect">
+            <a:avLst/>
+          </a:prstGeom>
+          <a:noFill/>
+          <a:ln w="12700">
+            <a:solidFill>
+              <a:schemeClr val="tx1"/>
+            </a:solidFill>
+            <a:miter lim="800000"/>
+            <a:headEnd/>
+            <a:tailEnd/>
+          </a:ln>
+          <a:effectLst/>
+        </p:spPr>
+        <p:txBody>
+          <a:bodyPr lIns="90487" tIns="44450" rIns="90487" bIns="44450">
+            <a:prstTxWarp prst="textNoShape">
+              <a:avLst/>
+            </a:prstTxWarp>
+          </a:bodyPr>
+          <a:lstStyle/>
+          <a:p>
+            <a:pPr>
+              <a:lnSpc>
+                <a:spcPct val="85000"/>
+              </a:lnSpc>
+              <a:spcBef>
+                <a:spcPct val="20000"/>
+              </a:spcBef>
+              <a:buClr>
+                <a:schemeClr val="tx1"/>
+              </a:buClr>
+              <a:buSzPct val="100000"/>
+              <a:buFont typeface="Arial" charset="0"/>
+              <a:buNone/>
+            </a:pPr>
+            <a:r>
               <a:rPr lang="en-US" sz="2000">
                 <a:latin typeface="Courier" charset="0"/>
               </a:rPr>
-              <a:t>-host=tg-login.sdsc.edu</a:t>
+              <a:t>grid.performance.ping \</a:t>
+            </a:r>
+          </a:p>
+          <a:p>
+            <a:pPr>
+              <a:lnSpc>
+                <a:spcPct val="85000"/>
+              </a:lnSpc>
+              <a:spcBef>
+                <a:spcPct val="20000"/>
+              </a:spcBef>
+              <a:buClr>
+                <a:schemeClr val="tx1"/>
+              </a:buClr>
+              <a:buSzPct val="100000"/>
+              <a:buFont typeface="Arial" charset="0"/>
+              <a:buNone/>
+            </a:pPr>
+            <a:r>
+              <a:rPr lang="en-US" sz="2000">
+                <a:latin typeface="Courier" charset="0"/>
+              </a:rPr>
+              <a:t>-host=tg-login.uc.edu</a:t>
             </a:r>
           </a:p>
           <a:p>
@@ -11662,7 +11924,7 @@
       </p:sp>
       <p:sp>
         <p:nvSpPr>
-          <p:cNvPr id="77832" name="Rectangle 8"/>
+          <p:cNvPr id="77833" name="Rectangle 9"/>
           <p:cNvSpPr>
             <a:spLocks noChangeArrowheads="1"/>
           </p:cNvSpPr>
@@ -11670,7 +11932,7 @@
         </p:nvSpPr>
         <p:spPr bwMode="auto">
           <a:xfrm>
-            <a:off x="5029200" y="3741738"/>
+            <a:off x="5029200" y="5168900"/>
             <a:ext cx="3886200" cy="762000"/>
           </a:xfrm>
           <a:prstGeom prst="rect">
@@ -11735,7 +11997,7 @@
               <a:rPr lang="en-US" sz="2000">
                 <a:latin typeface="Courier" charset="0"/>
               </a:rPr>
-              <a:t>-host=tg-login.uc.edu</a:t>
+              <a:t>-host=tg-login.psc.edu</a:t>
             </a:r>
           </a:p>
           <a:p>
@@ -11778,7 +12040,48 @@
       </p:sp>
       <p:sp>
         <p:nvSpPr>
-          <p:cNvPr id="77833" name="Rectangle 9"/>
+          <p:cNvPr id="77834" name="AutoShape 10"/>
+          <p:cNvSpPr>
+            <a:spLocks/>
+          </p:cNvSpPr>
+          <p:nvPr/>
+        </p:nvSpPr>
+        <p:spPr bwMode="auto">
+          <a:xfrm flipH="1">
+            <a:off x="4114800" y="1752600"/>
+            <a:ext cx="990600" cy="4267200"/>
+          </a:xfrm>
+          <a:prstGeom prst="rightBrace">
+            <a:avLst>
+              <a:gd name="adj1" fmla="val 35897"/>
+              <a:gd name="adj2" fmla="val 50000"/>
+            </a:avLst>
+          </a:prstGeom>
+          <a:noFill/>
+          <a:ln w="9525">
+            <a:solidFill>
+              <a:schemeClr val="tx1"/>
+            </a:solidFill>
+            <a:round/>
+            <a:headEnd/>
+            <a:tailEnd/>
+          </a:ln>
+        </p:spPr>
+        <p:txBody>
+          <a:bodyPr wrap="none" anchor="ctr">
+            <a:prstTxWarp prst="textNoShape">
+              <a:avLst/>
+            </a:prstTxWarp>
+          </a:bodyPr>
+          <a:lstStyle/>
+          <a:p>
+            <a:endParaRPr lang="en-US"/>
+          </a:p>
+        </p:txBody>
+      </p:sp>
+      <p:sp>
+        <p:nvSpPr>
+          <p:cNvPr id="77835" name="Rectangle 11"/>
           <p:cNvSpPr>
             <a:spLocks noChangeArrowheads="1"/>
           </p:cNvSpPr>
@@ -11786,8 +12089,57 @@
         </p:nvSpPr>
         <p:spPr bwMode="auto">
           <a:xfrm>
-            <a:off x="5029200" y="5168900"/>
-            <a:ext cx="3886200" cy="762000"/>
+            <a:off x="474663" y="2473325"/>
+            <a:ext cx="2252662" cy="414338"/>
+          </a:xfrm>
+          <a:prstGeom prst="rect">
+            <a:avLst/>
+          </a:prstGeom>
+          <a:solidFill>
+            <a:schemeClr val="folHlink"/>
+          </a:solidFill>
+          <a:ln w="9525">
+            <a:solidFill>
+              <a:schemeClr val="tx1"/>
+            </a:solidFill>
+            <a:miter lim="800000"/>
+            <a:headEnd/>
+            <a:tailEnd/>
+          </a:ln>
+        </p:spPr>
+        <p:txBody>
+          <a:bodyPr wrap="none" anchor="ctr">
+            <a:prstTxWarp prst="textNoShape">
+              <a:avLst/>
+            </a:prstTxWarp>
+          </a:bodyPr>
+          <a:lstStyle/>
+          <a:p>
+            <a:pPr algn="ctr"/>
+            <a:r>
+              <a:rPr lang="en-US" sz="2000" dirty="0" smtClean="0">
+                <a:latin typeface="Arial" charset="0"/>
+              </a:rPr>
+              <a:t>TACC Ranger</a:t>
+            </a:r>
+            <a:endParaRPr lang="en-US" sz="2000" dirty="0">
+              <a:latin typeface="Arial" charset="0"/>
+            </a:endParaRPr>
+          </a:p>
+        </p:txBody>
+      </p:sp>
+      <p:sp>
+        <p:nvSpPr>
+          <p:cNvPr id="77836" name="Rectangle 12"/>
+          <p:cNvSpPr>
+            <a:spLocks noChangeArrowheads="1"/>
+          </p:cNvSpPr>
+          <p:nvPr/>
+        </p:nvSpPr>
+        <p:spPr bwMode="auto">
+          <a:xfrm>
+            <a:off x="474663" y="2895600"/>
+            <a:ext cx="3733800" cy="762000"/>
           </a:xfrm>
           <a:prstGeom prst="rect">
             <a:avLst/>
@@ -11851,7 +12203,7 @@
               <a:rPr lang="en-US" sz="2000">
                 <a:latin typeface="Courier" charset="0"/>
               </a:rPr>
-              <a:t>-host=tg-login.psc.edu</a:t>
+              <a:t>-host=@hosts@</a:t>
             </a:r>
           </a:p>
           <a:p>
@@ -11894,48 +12246,125 @@
       </p:sp>
       <p:sp>
         <p:nvSpPr>
-          <p:cNvPr id="77834" name="AutoShape 10"/>
-          <p:cNvSpPr>
-            <a:spLocks/>
+          <p:cNvPr id="77837" name="Text Box 13"/>
+          <p:cNvSpPr txBox="1">
+            <a:spLocks noChangeArrowheads="1"/>
           </p:cNvSpPr>
           <p:nvPr/>
         </p:nvSpPr>
         <p:spPr bwMode="auto">
-          <a:xfrm flipH="1">
-            <a:off x="4114800" y="1752600"/>
-            <a:ext cx="990600" cy="4267200"/>
-          </a:xfrm>
-          <a:prstGeom prst="rightBrace">
-            <a:avLst>
-              <a:gd name="adj1" fmla="val 35897"/>
-              <a:gd name="adj2" fmla="val 50000"/>
-            </a:avLst>
+          <a:xfrm>
+            <a:off x="246063" y="3946525"/>
+            <a:ext cx="3962400" cy="2135188"/>
+          </a:xfrm>
+          <a:prstGeom prst="rect">
+            <a:avLst/>
           </a:prstGeom>
           <a:noFill/>
           <a:ln w="9525">
-            <a:solidFill>
-              <a:schemeClr val="tx1"/>
-            </a:solidFill>
-            <a:round/>
+            <a:noFill/>
+            <a:miter lim="800000"/>
             <a:headEnd/>
             <a:tailEnd/>
           </a:ln>
         </p:spPr>
         <p:txBody>
-          <a:bodyPr wrap="none" anchor="ctr">
+          <a:bodyPr>
             <a:prstTxWarp prst="textNoShape">
               <a:avLst/>
             </a:prstTxWarp>
+            <a:spAutoFit/>
           </a:bodyPr>
           <a:lstStyle/>
           <a:p>
-            <a:endParaRPr lang="en-US"/>
-          </a:p>
-        </p:txBody>
-      </p:sp>
-      <p:sp>
-        <p:nvSpPr>
-          <p:cNvPr id="77835" name="Rectangle 11"/>
+            <a:r>
+              <a:rPr lang="en-US" sz="2000" i="1" dirty="0">
+                <a:latin typeface="Arial" charset="0"/>
+              </a:rPr>
+              <a:t>Reporter will be executed once for each value in macro.</a:t>
+            </a:r>
+            <a:endParaRPr lang="en-US" sz="2000" dirty="0">
+              <a:latin typeface="Arial" charset="0"/>
+            </a:endParaRPr>
+          </a:p>
+          <a:p>
+            <a:endParaRPr lang="en-US" sz="2000" dirty="0">
+              <a:latin typeface="Arial" charset="0"/>
+            </a:endParaRPr>
+          </a:p>
+          <a:p>
+            <a:r>
+              <a:rPr lang="en-US" sz="1800" dirty="0">
+                <a:latin typeface="Arial" charset="0"/>
+              </a:rPr>
+              <a:t>hosts =</a:t>
+            </a:r>
+            <a:r>
+              <a:rPr lang="en-US" sz="1800" dirty="0" smtClean="0">
+                <a:latin typeface="Courier" charset="0"/>
+              </a:rPr>
+              <a:t> </a:t>
+            </a:r>
+            <a:r>
+              <a:rPr lang="en-US" sz="1800" dirty="0" err="1" smtClean="0">
+                <a:latin typeface="Courier" charset="0"/>
+              </a:rPr>
+              <a:t>dash</a:t>
+            </a:r>
+            <a:r>
+              <a:rPr lang="en-US" sz="1800" dirty="0" err="1" smtClean="0">
+                <a:latin typeface="Courier" charset="0"/>
+              </a:rPr>
+              <a:t>.sdsc.edu</a:t>
+            </a:r>
+            <a:r>
+              <a:rPr lang="en-US" sz="1800" dirty="0">
+                <a:latin typeface="Courier" charset="0"/>
+              </a:rPr>
+              <a:t>,</a:t>
+            </a:r>
+            <a:br>
+              <a:rPr lang="en-US" sz="1800" dirty="0">
+                <a:latin typeface="Courier" charset="0"/>
+              </a:rPr>
+            </a:br>
+            <a:r>
+              <a:rPr lang="en-US" sz="1800" dirty="0" err="1">
+                <a:latin typeface="Courier" charset="0"/>
+              </a:rPr>
+              <a:t>tg-login.uc.edu</a:t>
+            </a:r>
+            <a:r>
+              <a:rPr lang="en-US" sz="1800" dirty="0">
+                <a:latin typeface="Courier" charset="0"/>
+              </a:rPr>
+              <a:t>,</a:t>
+            </a:r>
+            <a:br>
+              <a:rPr lang="en-US" sz="1800" dirty="0">
+                <a:latin typeface="Courier" charset="0"/>
+              </a:rPr>
+            </a:br>
+            <a:r>
+              <a:rPr lang="en-US" sz="1800" dirty="0" err="1">
+                <a:latin typeface="Courier" charset="0"/>
+              </a:rPr>
+              <a:t>tg-login.psc.edu</a:t>
+            </a:r>
+            <a:endParaRPr lang="en-US" sz="1800" dirty="0">
+              <a:latin typeface="Courier" charset="0"/>
+            </a:endParaRPr>
+          </a:p>
+          <a:p>
+            <a:endParaRPr lang="en-US" sz="2000" dirty="0">
+              <a:latin typeface="Courier" charset="0"/>
+            </a:endParaRPr>
+          </a:p>
+        </p:txBody>
+      </p:sp>
+      <p:sp>
+        <p:nvSpPr>
+          <p:cNvPr id="77839" name="Rectangle 15"/>
           <p:cNvSpPr>
             <a:spLocks noChangeArrowheads="1"/>
           </p:cNvSpPr>
@@ -11943,8 +12372,8 @@
         </p:nvSpPr>
         <p:spPr bwMode="auto">
           <a:xfrm>
-            <a:off x="474663" y="2473325"/>
-            <a:ext cx="2252662" cy="414338"/>
+            <a:off x="5029200" y="1943100"/>
+            <a:ext cx="2252663" cy="414338"/>
           </a:xfrm>
           <a:prstGeom prst="rect">
             <a:avLst/>
@@ -11971,224 +12400,20 @@
           <a:p>
             <a:pPr algn="ctr"/>
             <a:r>
-              <a:rPr lang="en-US" sz="2000">
+              <a:rPr lang="en-US" sz="2000" dirty="0" smtClean="0">
                 <a:latin typeface="Arial" charset="0"/>
               </a:rPr>
-              <a:t>NCSA IA-64 </a:t>
-            </a:r>
-          </a:p>
-        </p:txBody>
-      </p:sp>
-      <p:sp>
-        <p:nvSpPr>
-          <p:cNvPr id="77836" name="Rectangle 12"/>
-          <p:cNvSpPr>
-            <a:spLocks noChangeArrowheads="1"/>
-          </p:cNvSpPr>
-          <p:nvPr/>
-        </p:nvSpPr>
-        <p:spPr bwMode="auto">
-          <a:xfrm>
-            <a:off x="474663" y="2895600"/>
-            <a:ext cx="3733800" cy="762000"/>
-          </a:xfrm>
-          <a:prstGeom prst="rect">
-            <a:avLst/>
-          </a:prstGeom>
-          <a:noFill/>
-          <a:ln w="12700">
-            <a:solidFill>
-              <a:schemeClr val="tx1"/>
-            </a:solidFill>
-            <a:miter lim="800000"/>
-            <a:headEnd/>
-            <a:tailEnd/>
-          </a:ln>
-          <a:effectLst/>
-        </p:spPr>
-        <p:txBody>
-          <a:bodyPr lIns="90487" tIns="44450" rIns="90487" bIns="44450">
-            <a:prstTxWarp prst="textNoShape">
-              <a:avLst/>
-            </a:prstTxWarp>
-          </a:bodyPr>
-          <a:lstStyle/>
-          <a:p>
-            <a:pPr>
-              <a:lnSpc>
-                <a:spcPct val="85000"/>
-              </a:lnSpc>
-              <a:spcBef>
-                <a:spcPct val="20000"/>
-              </a:spcBef>
-              <a:buClr>
-                <a:schemeClr val="tx1"/>
-              </a:buClr>
-              <a:buSzPct val="100000"/>
-              <a:buFont typeface="Arial" charset="0"/>
-              <a:buNone/>
-            </a:pPr>
-            <a:r>
-              <a:rPr lang="en-US" sz="2000">
-                <a:latin typeface="Courier" charset="0"/>
-              </a:rPr>
-              <a:t>grid.performance.ping \</a:t>
-            </a:r>
-          </a:p>
-          <a:p>
-            <a:pPr>
-              <a:lnSpc>
-                <a:spcPct val="85000"/>
-              </a:lnSpc>
-              <a:spcBef>
-                <a:spcPct val="20000"/>
-              </a:spcBef>
-              <a:buClr>
-                <a:schemeClr val="tx1"/>
-              </a:buClr>
-              <a:buSzPct val="100000"/>
-              <a:buFont typeface="Arial" charset="0"/>
-              <a:buNone/>
-            </a:pPr>
-            <a:r>
-              <a:rPr lang="en-US" sz="2000">
-                <a:latin typeface="Courier" charset="0"/>
-              </a:rPr>
-              <a:t>-host=@hosts@</a:t>
-            </a:r>
-          </a:p>
-          <a:p>
-            <a:pPr>
-              <a:lnSpc>
-                <a:spcPct val="85000"/>
-              </a:lnSpc>
-              <a:spcBef>
-                <a:spcPct val="20000"/>
-              </a:spcBef>
-              <a:buClr>
-                <a:schemeClr val="tx1"/>
-              </a:buClr>
-              <a:buSzPct val="100000"/>
-            </a:pPr>
-            <a:endParaRPr lang="en-US" sz="2000">
-              <a:latin typeface="Courier" charset="0"/>
-            </a:endParaRPr>
-          </a:p>
-          <a:p>
-            <a:pPr>
-              <a:lnSpc>
-                <a:spcPct val="85000"/>
-              </a:lnSpc>
-              <a:spcBef>
-                <a:spcPct val="20000"/>
-              </a:spcBef>
-              <a:buClr>
-                <a:schemeClr val="tx1"/>
-              </a:buClr>
-              <a:buSzPct val="100000"/>
-              <a:buFontTx/>
-              <a:buChar char="•"/>
-            </a:pPr>
-            <a:endParaRPr lang="en-US" sz="2000">
-              <a:latin typeface="Courier" charset="0"/>
-            </a:endParaRPr>
-          </a:p>
-        </p:txBody>
-      </p:sp>
-      <p:sp>
-        <p:nvSpPr>
-          <p:cNvPr id="77837" name="Text Box 13"/>
-          <p:cNvSpPr txBox="1">
-            <a:spLocks noChangeArrowheads="1"/>
-          </p:cNvSpPr>
-          <p:nvPr/>
-        </p:nvSpPr>
-        <p:spPr bwMode="auto">
-          <a:xfrm>
-            <a:off x="246063" y="3946525"/>
-            <a:ext cx="3962400" cy="2135188"/>
-          </a:xfrm>
-          <a:prstGeom prst="rect">
-            <a:avLst/>
-          </a:prstGeom>
-          <a:noFill/>
-          <a:ln w="9525">
-            <a:noFill/>
-            <a:miter lim="800000"/>
-            <a:headEnd/>
-            <a:tailEnd/>
-          </a:ln>
-        </p:spPr>
-        <p:txBody>
-          <a:bodyPr>
-            <a:prstTxWarp prst="textNoShape">
-              <a:avLst/>
-            </a:prstTxWarp>
-            <a:spAutoFit/>
-          </a:bodyPr>
-          <a:lstStyle/>
-          <a:p>
-            <a:r>
-              <a:rPr lang="en-US" sz="2000" i="1">
-                <a:latin typeface="Arial" charset="0"/>
-              </a:rPr>
-              <a:t>Reporter will be executed once for each value in macro.</a:t>
-            </a:r>
-            <a:endParaRPr lang="en-US" sz="2000">
+              <a:t>TACC Ranger</a:t>
+            </a:r>
+            <a:endParaRPr lang="en-US" sz="2000" dirty="0">
               <a:latin typeface="Arial" charset="0"/>
             </a:endParaRPr>
           </a:p>
-          <a:p>
-            <a:endParaRPr lang="en-US" sz="2000">
-              <a:latin typeface="Arial" charset="0"/>
-            </a:endParaRPr>
-          </a:p>
-          <a:p>
-            <a:r>
-              <a:rPr lang="en-US" sz="1800">
-                <a:latin typeface="Arial" charset="0"/>
-              </a:rPr>
-              <a:t>hosts =</a:t>
-            </a:r>
-            <a:r>
-              <a:rPr lang="en-US" sz="1800">
-                <a:latin typeface="Courier" charset="0"/>
-              </a:rPr>
-              <a:t> tg-login.sdsc.edu,</a:t>
-            </a:r>
-            <a:br>
-              <a:rPr lang="en-US" sz="1800">
-                <a:latin typeface="Courier" charset="0"/>
-              </a:rPr>
-            </a:br>
-            <a:r>
-              <a:rPr lang="en-US" sz="1800">
-                <a:latin typeface="Courier" charset="0"/>
-              </a:rPr>
-              <a:t>tg-login.uc.edu,</a:t>
-            </a:r>
-            <a:br>
-              <a:rPr lang="en-US" sz="1800">
-                <a:latin typeface="Courier" charset="0"/>
-              </a:rPr>
-            </a:br>
-            <a:r>
-              <a:rPr lang="en-US" sz="1800">
-                <a:latin typeface="Courier" charset="0"/>
-              </a:rPr>
-              <a:t>tg-login.psc.edu</a:t>
-            </a:r>
-          </a:p>
-          <a:p>
-            <a:endParaRPr lang="en-US" sz="2000">
-              <a:latin typeface="Courier" charset="0"/>
-            </a:endParaRPr>
-          </a:p>
-        </p:txBody>
-      </p:sp>
-      <p:sp>
-        <p:nvSpPr>
-          <p:cNvPr id="77839" name="Rectangle 15"/>
+        </p:txBody>
+      </p:sp>
+      <p:sp>
+        <p:nvSpPr>
+          <p:cNvPr id="77842" name="Rectangle 18"/>
           <p:cNvSpPr>
             <a:spLocks noChangeArrowheads="1"/>
           </p:cNvSpPr>
@@ -12196,8 +12421,8 @@
         </p:nvSpPr>
         <p:spPr bwMode="auto">
           <a:xfrm>
-            <a:off x="5029200" y="1943100"/>
-            <a:ext cx="2252663" cy="414338"/>
+            <a:off x="5029200" y="3322638"/>
+            <a:ext cx="2252663" cy="414337"/>
           </a:xfrm>
           <a:prstGeom prst="rect">
             <a:avLst/>
@@ -12224,17 +12449,20 @@
           <a:p>
             <a:pPr algn="ctr"/>
             <a:r>
-              <a:rPr lang="en-US" sz="2000">
+              <a:rPr lang="en-US" sz="2000" dirty="0" smtClean="0">
                 <a:latin typeface="Arial" charset="0"/>
               </a:rPr>
-              <a:t>NCSA IA-64 </a:t>
-            </a:r>
-          </a:p>
-        </p:txBody>
-      </p:sp>
-      <p:sp>
-        <p:nvSpPr>
-          <p:cNvPr id="77842" name="Rectangle 18"/>
+              <a:t>TACC Ranger</a:t>
+            </a:r>
+            <a:endParaRPr lang="en-US" sz="2000" dirty="0">
+              <a:latin typeface="Arial" charset="0"/>
+            </a:endParaRPr>
+          </a:p>
+        </p:txBody>
+      </p:sp>
+      <p:sp>
+        <p:nvSpPr>
+          <p:cNvPr id="77843" name="Rectangle 19"/>
           <p:cNvSpPr>
             <a:spLocks noChangeArrowheads="1"/>
           </p:cNvSpPr>
@@ -12242,7 +12470,7 @@
         </p:nvSpPr>
         <p:spPr bwMode="auto">
           <a:xfrm>
-            <a:off x="5029200" y="3322638"/>
+            <a:off x="5029200" y="4748213"/>
             <a:ext cx="2252663" cy="414337"/>
           </a:xfrm>
           <a:prstGeom prst="rect">
@@ -12270,57 +12498,14 @@
           <a:p>
             <a:pPr algn="ctr"/>
             <a:r>
-              <a:rPr lang="en-US" sz="2000">
+              <a:rPr lang="en-US" sz="2000" dirty="0" smtClean="0">
                 <a:latin typeface="Arial" charset="0"/>
               </a:rPr>
-              <a:t>NCSA IA-64 </a:t>
-            </a:r>
-          </a:p>
-        </p:txBody>
-      </p:sp>
-      <p:sp>
-        <p:nvSpPr>
-          <p:cNvPr id="77843" name="Rectangle 19"/>
-          <p:cNvSpPr>
-            <a:spLocks noChangeArrowheads="1"/>
-          </p:cNvSpPr>
-          <p:nvPr/>
-        </p:nvSpPr>
-        <p:spPr bwMode="auto">
-          <a:xfrm>
-            <a:off x="5029200" y="4748213"/>
-            <a:ext cx="2252663" cy="414337"/>
-          </a:xfrm>
-          <a:prstGeom prst="rect">
-            <a:avLst/>
-          </a:prstGeom>
-          <a:solidFill>
-            <a:schemeClr val="folHlink"/>
-          </a:solidFill>
-          <a:ln w="9525">
-            <a:solidFill>
-              <a:schemeClr val="tx1"/>
-            </a:solidFill>
-            <a:miter lim="800000"/>
-            <a:headEnd/>
-            <a:tailEnd/>
-          </a:ln>
-        </p:spPr>
-        <p:txBody>
-          <a:bodyPr wrap="none" anchor="ctr">
-            <a:prstTxWarp prst="textNoShape">
-              <a:avLst/>
-            </a:prstTxWarp>
-          </a:bodyPr>
-          <a:lstStyle/>
-          <a:p>
-            <a:pPr algn="ctr"/>
-            <a:r>
-              <a:rPr lang="en-US" sz="2000">
-                <a:latin typeface="Arial" charset="0"/>
-              </a:rPr>
-              <a:t>NCSA IA-64 </a:t>
-            </a:r>
+              <a:t>TACC Ranger</a:t>
+            </a:r>
+            <a:endParaRPr lang="en-US" sz="2000" dirty="0">
+              <a:latin typeface="Arial" charset="0"/>
+            </a:endParaRPr>
           </a:p>
         </p:txBody>
       </p:sp>
@@ -12484,16 +12669,25 @@
                 </a:solidFill>
                 <a:latin typeface="Courier" charset="0"/>
               </a:rPr>
-              <a:t>@ = </a:t>
-            </a:r>
-            <a:r>
-              <a:rPr lang="en-US" sz="1800" b="1" dirty="0" err="1">
+              <a:t>@ =</a:t>
+            </a:r>
+            <a:r>
+              <a:rPr lang="en-US" sz="1800" b="1" dirty="0" smtClean="0">
                 <a:solidFill>
                   <a:srgbClr val="008040"/>
                 </a:solidFill>
                 <a:latin typeface="Courier" charset="0"/>
               </a:rPr>
-              <a:t>bglogin.sdsc.edu</a:t>
+              <a:t> </a:t>
+            </a:r>
+            <a:r>
+              <a:rPr lang="en-US" sz="1800" b="1" dirty="0" err="1" smtClean="0">
+                <a:solidFill>
+                  <a:srgbClr val="008040"/>
+                </a:solidFill>
+                <a:latin typeface="Courier" charset="0"/>
+              </a:rPr>
+              <a:t>dash.sdsc.edu</a:t>
             </a:r>
             <a:r>
               <a:rPr lang="en-US" sz="1800" b="1" dirty="0">
@@ -12756,22 +12950,34 @@
               <a:rPr lang="en-US" sz="1800" dirty="0">
                 <a:latin typeface="Courier" charset="0"/>
               </a:rPr>
-              <a:t> -host=</a:t>
-            </a:r>
-            <a:r>
-              <a:rPr lang="en-US" sz="1800" dirty="0" err="1">
+              <a:t> -host</a:t>
+            </a:r>
+            <a:r>
+              <a:rPr lang="en-US" sz="1800" dirty="0" smtClean="0">
+                <a:latin typeface="Courier" charset="0"/>
+              </a:rPr>
+              <a:t>=</a:t>
+            </a:r>
+            <a:r>
+              <a:rPr lang="en-US" sz="1800" dirty="0" err="1" smtClean="0">
                 <a:solidFill>
                   <a:srgbClr val="008040"/>
                 </a:solidFill>
                 <a:latin typeface="Courier" charset="0"/>
               </a:rPr>
-              <a:t>bglogin.sdsc.edu</a:t>
+              <a:t>dash.sdsc.edu</a:t>
+            </a:r>
+            <a:r>
+              <a:rPr lang="en-US" sz="1800" dirty="0" smtClean="0">
+                <a:latin typeface="Courier" charset="0"/>
+              </a:rPr>
+              <a:t> </a:t>
             </a:r>
             <a:r>
               <a:rPr lang="en-US" sz="1800" dirty="0">
                 <a:latin typeface="Courier" charset="0"/>
               </a:rPr>
-              <a:t> -dir=</a:t>
+              <a:t>-dir=</a:t>
             </a:r>
             <a:r>
               <a:rPr lang="en-US" sz="1800" dirty="0">
@@ -12813,22 +13019,34 @@
               <a:rPr lang="en-US" sz="1800" dirty="0">
                 <a:latin typeface="Courier" charset="0"/>
               </a:rPr>
-              <a:t> -host=</a:t>
-            </a:r>
-            <a:r>
-              <a:rPr lang="en-US" sz="1800" dirty="0" err="1">
+              <a:t> -host</a:t>
+            </a:r>
+            <a:r>
+              <a:rPr lang="en-US" sz="1800" dirty="0" smtClean="0">
+                <a:latin typeface="Courier" charset="0"/>
+              </a:rPr>
+              <a:t>=</a:t>
+            </a:r>
+            <a:r>
+              <a:rPr lang="en-US" sz="1800" dirty="0" err="1" smtClean="0">
                 <a:solidFill>
                   <a:srgbClr val="008040"/>
                 </a:solidFill>
                 <a:latin typeface="Courier" charset="0"/>
               </a:rPr>
-              <a:t>bglogin.sdsc.edu</a:t>
+              <a:t>dash.sdsc.edu</a:t>
+            </a:r>
+            <a:r>
+              <a:rPr lang="en-US" sz="1800" dirty="0" smtClean="0">
+                <a:latin typeface="Courier" charset="0"/>
+              </a:rPr>
+              <a:t> </a:t>
             </a:r>
             <a:r>
               <a:rPr lang="en-US" sz="1800" dirty="0">
                 <a:latin typeface="Courier" charset="0"/>
               </a:rPr>
-              <a:t> -dir=</a:t>
+              <a:t>-dir=</a:t>
             </a:r>
             <a:r>
               <a:rPr lang="en-US" sz="1800" dirty="0">
@@ -12870,19 +13088,25 @@
               <a:rPr lang="en-US" sz="1800" dirty="0">
                 <a:latin typeface="Courier" charset="0"/>
               </a:rPr>
-              <a:t> -host=</a:t>
-            </a:r>
-            <a:r>
-              <a:rPr lang="en-US" sz="1800" dirty="0" err="1">
+              <a:t> -host</a:t>
+            </a:r>
+            <a:r>
+              <a:rPr lang="en-US" sz="1800" dirty="0" smtClean="0">
+                <a:latin typeface="Courier" charset="0"/>
+              </a:rPr>
+              <a:t>=</a:t>
+            </a:r>
+            <a:r>
+              <a:rPr lang="en-US" sz="1800" dirty="0" err="1" smtClean="0">
                 <a:solidFill>
                   <a:srgbClr val="008040"/>
                 </a:solidFill>
                 <a:latin typeface="Courier" charset="0"/>
               </a:rPr>
-              <a:t>bglogin.sdsc.edu</a:t>
-            </a:r>
-            <a:r>
-              <a:rPr lang="en-US" sz="1800" dirty="0">
+              <a:t>dash.sdsc.edu</a:t>
+            </a:r>
+            <a:r>
+              <a:rPr lang="en-US" sz="1800" dirty="0" smtClean="0">
                 <a:latin typeface="Courier" charset="0"/>
               </a:rPr>
               <a:t> </a:t>
@@ -13209,7 +13433,16 @@
                 </a:solidFill>
                 <a:latin typeface="Courier" charset="0"/>
               </a:rPr>
-              <a:t>@ = </a:t>
+              <a:t>@ =</a:t>
+            </a:r>
+            <a:r>
+              <a:rPr lang="en-US" sz="1800" b="1" dirty="0" smtClean="0">
+                <a:solidFill>
+                  <a:srgbClr val="008040"/>
+                </a:solidFill>
+                <a:latin typeface="Courier" charset="0"/>
+              </a:rPr>
+              <a:t> </a:t>
             </a:r>
             <a:r>
               <a:rPr lang="en-US" sz="1800" b="1" dirty="0" err="1" smtClean="0">
@@ -13218,7 +13451,7 @@
                 </a:solidFill>
                 <a:latin typeface="Courier" charset="0"/>
               </a:rPr>
-              <a:t>bglogin.sdsc.edu</a:t>
+              <a:t>dash.sdsc.edu</a:t>
             </a:r>
             <a:r>
               <a:rPr lang="en-US" sz="1800" b="1" dirty="0" smtClean="0">
@@ -21417,7 +21650,12 @@
             <p:ph type="title"/>
           </p:nvPr>
         </p:nvSpPr>
-        <p:spPr/>
+        <p:spPr>
+          <a:xfrm>
+            <a:off x="381000" y="92340"/>
+            <a:ext cx="8382000" cy="1041400"/>
+          </a:xfrm>
+        </p:spPr>
         <p:txBody>
           <a:bodyPr/>
           <a:lstStyle/>
@@ -21442,8 +21680,8 @@
         </p:nvSpPr>
         <p:spPr>
           <a:xfrm>
-            <a:off x="304800" y="1422400"/>
-            <a:ext cx="3539067" cy="4749800"/>
+            <a:off x="327087" y="1135383"/>
+            <a:ext cx="2770617" cy="5722616"/>
           </a:xfrm>
         </p:spPr>
         <p:txBody>
@@ -21452,52 +21690,60 @@
           <a:p>
             <a:pPr>
               <a:spcAft>
-                <a:spcPts val="576"/>
+                <a:spcPts val="800"/>
               </a:spcAft>
             </a:pPr>
             <a:r>
-              <a:rPr lang="en-US" sz="2400" dirty="0" smtClean="0"/>
-              <a:t>Provide control to resource administrators (while providing consistent testing)</a:t>
+              <a:rPr lang="en-US" sz="2000" dirty="0" smtClean="0"/>
+              <a:t>Provide control to resource administrators (while providing consistent testing</a:t>
+            </a:r>
+            <a:r>
+              <a:rPr lang="en-US" sz="2000" dirty="0" smtClean="0"/>
+              <a:t>)</a:t>
             </a:r>
           </a:p>
           <a:p>
             <a:pPr>
               <a:spcAft>
-                <a:spcPts val="576"/>
+                <a:spcPts val="800"/>
               </a:spcAft>
             </a:pPr>
             <a:r>
-              <a:rPr lang="en-US" sz="2400" dirty="0" smtClean="0"/>
-              <a:t>Changes queued at agent and notification sent to resource administrator</a:t>
+              <a:rPr lang="en-US" sz="2000" dirty="0" smtClean="0"/>
+              <a:t>Changes queued at agent and notification sent to resource </a:t>
+            </a:r>
+            <a:r>
+              <a:rPr lang="en-US" sz="2000" dirty="0" smtClean="0"/>
+              <a:t>administrator</a:t>
             </a:r>
           </a:p>
           <a:p>
             <a:pPr>
               <a:spcAft>
-                <a:spcPts val="576"/>
+                <a:spcPts val="800"/>
               </a:spcAft>
             </a:pPr>
             <a:r>
-              <a:rPr lang="en-US" sz="2400" dirty="0" smtClean="0"/>
+              <a:rPr lang="en-US" sz="2000" dirty="0" smtClean="0"/>
               <a:t>Resource administrator approves changes via “</a:t>
             </a:r>
             <a:r>
-              <a:rPr lang="en-US" sz="2400" dirty="0" err="1" smtClean="0"/>
+              <a:rPr lang="en-US" sz="2000" dirty="0" err="1" smtClean="0"/>
               <a:t>inca</a:t>
             </a:r>
             <a:r>
-              <a:rPr lang="en-US" sz="2400" dirty="0" smtClean="0"/>
+              <a:rPr lang="en-US" sz="2000" dirty="0" smtClean="0"/>
               <a:t> </a:t>
             </a:r>
             <a:r>
-              <a:rPr lang="en-US" sz="2400" dirty="0" err="1" smtClean="0"/>
+              <a:rPr lang="en-US" sz="2000" dirty="0" err="1" smtClean="0"/>
               <a:t>approveChanges</a:t>
             </a:r>
             <a:r>
-              <a:rPr lang="en-US" sz="2400" dirty="0" smtClean="0"/>
+              <a:rPr lang="en-US" sz="2000" dirty="0" smtClean="0"/>
               <a:t>” GUI</a:t>
             </a:r>
-            <a:endParaRPr lang="en-US" sz="2400" dirty="0"/>
+            <a:endParaRPr lang="en-US" sz="2000" dirty="0"/>
           </a:p>
         </p:txBody>
       </p:sp>
@@ -21517,8 +21763,8 @@
         </p:blipFill>
         <p:spPr>
           <a:xfrm>
-            <a:off x="3839255" y="1540926"/>
-            <a:ext cx="5025342" cy="3509433"/>
+            <a:off x="3232387" y="1117122"/>
+            <a:ext cx="5632210" cy="3933238"/>
           </a:xfrm>
           <a:prstGeom prst="rect">
             <a:avLst/>
@@ -21608,6 +21854,13 @@
   <p:clrMapOvr>
     <a:masterClrMapping/>
   </p:clrMapOvr>
+  <p:timing>
+    <p:tnLst>
+      <p:par>
+        <p:cTn id="1" dur="indefinite" restart="never" nodeType="tmRoot"/>
+      </p:par>
+    </p:tnLst>
+  </p:timing>
 </p:sld>
 </file>
 
@@ -24398,7 +24651,7 @@
                         <a:tabLst/>
                       </a:pPr>
                       <a:r>
-                        <a:rPr kumimoji="0" lang="en-US" sz="2400" b="0" i="0" u="none" strike="noStrike" cap="none" normalizeH="0" baseline="0">
+                        <a:rPr kumimoji="0" lang="en-US" sz="2400" b="0" i="0" u="none" strike="noStrike" cap="none" normalizeH="0" baseline="0" dirty="0">
                           <a:ln>
                             <a:noFill/>
                           </a:ln>
@@ -24408,9 +24661,22 @@
                           <a:effectLst/>
                           <a:latin typeface="Times New Roman" charset="0"/>
                         </a:rPr>
-                        <a:t>Administering Inca with incat</a:t>
+                        <a:t>Administering Inca with </a:t>
                       </a:r>
-                      <a:endParaRPr kumimoji="0" lang="en-US" sz="2400" b="0" i="0" u="sng" strike="noStrike" cap="none" normalizeH="0" baseline="0">
+                      <a:r>
+                        <a:rPr kumimoji="0" lang="en-US" sz="2400" b="0" i="0" u="none" strike="noStrike" cap="none" normalizeH="0" baseline="0" dirty="0" err="1">
+                          <a:ln>
+                            <a:noFill/>
+                          </a:ln>
+                          <a:solidFill>
+                            <a:schemeClr val="tx1"/>
+                          </a:solidFill>
+                          <a:effectLst/>
+                          <a:latin typeface="Times New Roman" charset="0"/>
+                        </a:rPr>
+                        <a:t>incat</a:t>
+                      </a:r>
+                      <a:endParaRPr kumimoji="0" lang="en-US" sz="2400" b="0" i="0" u="sng" strike="noStrike" cap="none" normalizeH="0" baseline="0" dirty="0">
                         <a:ln>
                           <a:noFill/>
                         </a:ln>
@@ -24578,7 +24844,7 @@
                         <a:tabLst/>
                       </a:pPr>
                       <a:r>
-                        <a:rPr kumimoji="0" lang="en-US" sz="2400" b="0" i="0" u="none" strike="noStrike" cap="none" normalizeH="0" baseline="0">
+                        <a:rPr kumimoji="0" lang="en-US" sz="2400" b="0" i="0" u="none" strike="noStrike" cap="none" normalizeH="0" baseline="0" dirty="0">
                           <a:ln>
                             <a:noFill/>
                           </a:ln>
@@ -24588,8 +24854,31 @@
                           <a:effectLst/>
                           <a:latin typeface="Times New Roman" charset="0"/>
                         </a:rPr>
-                        <a:t>Hands-on: Inca deployment (part 1)</a:t>
+                        <a:t>Hands-on: Inca </a:t>
                       </a:r>
+                      <a:r>
+                        <a:rPr kumimoji="0" lang="en-US" sz="2400" b="0" i="0" u="none" strike="noStrike" cap="none" normalizeH="0" baseline="0" dirty="0" smtClean="0">
+                          <a:ln>
+                            <a:noFill/>
+                          </a:ln>
+                          <a:solidFill>
+                            <a:schemeClr val="tx1"/>
+                          </a:solidFill>
+                          <a:effectLst/>
+                          <a:latin typeface="Times New Roman" charset="0"/>
+                        </a:rPr>
+                        <a:t>deployment</a:t>
+                      </a:r>
+                      <a:endParaRPr kumimoji="0" lang="en-US" sz="2400" b="0" i="0" u="none" strike="noStrike" cap="none" normalizeH="0" baseline="0" dirty="0">
+                        <a:ln>
+                          <a:noFill/>
+                        </a:ln>
+                        <a:solidFill>
+                          <a:schemeClr val="tx1"/>
+                        </a:solidFill>
+                        <a:effectLst/>
+                        <a:latin typeface="Times New Roman" charset="0"/>
+                      </a:endParaRPr>
                     </a:p>
                   </a:txBody>
                   <a:tcPr horzOverflow="overflow">
@@ -24843,11 +25132,11 @@
           <a:lstStyle/>
           <a:p>
             <a:r>
-              <a:rPr lang="en-US" sz="2400"/>
+              <a:rPr lang="en-US" sz="2400" dirty="0"/>
               <a:t>A </a:t>
             </a:r>
             <a:r>
-              <a:rPr lang="en-US" sz="2400" b="1">
+              <a:rPr lang="en-US" sz="2400" b="1" dirty="0">
                 <a:solidFill>
                   <a:schemeClr val="accent2"/>
                 </a:solidFill>
@@ -24855,441 +25144,22 @@
               <a:t>resource</a:t>
             </a:r>
             <a:r>
-              <a:rPr lang="en-US" sz="2400"/>
+              <a:rPr lang="en-US" sz="2400" dirty="0"/>
               <a:t> can be a cluster, supercomputer, or server </a:t>
             </a:r>
           </a:p>
           <a:p>
-            <a:endParaRPr lang="en-US" sz="2400"/>
+            <a:endParaRPr lang="en-US" sz="2400" dirty="0"/>
           </a:p>
           <a:p>
             <a:pPr lvl="1">
               <a:buFontTx/>
               <a:buNone/>
             </a:pPr>
-            <a:endParaRPr lang="en-US" sz="2000"/>
-          </a:p>
-        </p:txBody>
-      </p:sp>
-      <p:sp>
-        <p:nvSpPr>
-          <p:cNvPr id="19460" name="Rectangle 4"/>
-          <p:cNvSpPr>
-            <a:spLocks noChangeArrowheads="1"/>
-          </p:cNvSpPr>
-          <p:nvPr/>
-        </p:nvSpPr>
-        <p:spPr bwMode="auto">
-          <a:xfrm>
-            <a:off x="6324600" y="1371600"/>
-            <a:ext cx="1447800" cy="685800"/>
-          </a:xfrm>
-          <a:prstGeom prst="rect">
-            <a:avLst/>
-          </a:prstGeom>
-          <a:solidFill>
-            <a:schemeClr val="accent2"/>
-          </a:solidFill>
-          <a:ln w="9525">
-            <a:noFill/>
-            <a:miter lim="800000"/>
-            <a:headEnd/>
-            <a:tailEnd/>
-          </a:ln>
-        </p:spPr>
-        <p:txBody>
-          <a:bodyPr wrap="none" anchor="ctr">
-            <a:prstTxWarp prst="textNoShape">
-              <a:avLst/>
-            </a:prstTxWarp>
-          </a:bodyPr>
-          <a:lstStyle/>
-          <a:p>
-            <a:pPr algn="ctr"/>
-            <a:r>
-              <a:rPr lang="en-US" sz="2000">
-                <a:solidFill>
-                  <a:schemeClr val="bg1"/>
-                </a:solidFill>
-              </a:rPr>
-              <a:t>TeraGrid</a:t>
-            </a:r>
-            <a:endParaRPr lang="en-US">
-              <a:solidFill>
-                <a:schemeClr val="bg1"/>
-              </a:solidFill>
-            </a:endParaRPr>
-          </a:p>
-        </p:txBody>
-      </p:sp>
-      <p:sp>
-        <p:nvSpPr>
-          <p:cNvPr id="19462" name="Rectangle 6"/>
-          <p:cNvSpPr>
-            <a:spLocks noChangeArrowheads="1"/>
-          </p:cNvSpPr>
-          <p:nvPr/>
-        </p:nvSpPr>
-        <p:spPr bwMode="auto">
-          <a:xfrm>
-            <a:off x="4437063" y="2590800"/>
-            <a:ext cx="1447800" cy="685800"/>
-          </a:xfrm>
-          <a:prstGeom prst="rect">
-            <a:avLst/>
-          </a:prstGeom>
-          <a:solidFill>
-            <a:schemeClr val="accent2"/>
-          </a:solidFill>
-          <a:ln w="9525">
-            <a:noFill/>
-            <a:miter lim="800000"/>
-            <a:headEnd/>
-            <a:tailEnd/>
-          </a:ln>
-        </p:spPr>
-        <p:txBody>
-          <a:bodyPr wrap="none" anchor="ctr">
-            <a:prstTxWarp prst="textNoShape">
-              <a:avLst/>
-            </a:prstTxWarp>
-          </a:bodyPr>
-          <a:lstStyle/>
-          <a:p>
-            <a:pPr algn="ctr"/>
-            <a:r>
-              <a:rPr lang="en-US" sz="2000">
-                <a:solidFill>
-                  <a:schemeClr val="bg1"/>
-                </a:solidFill>
-              </a:rPr>
-              <a:t>SDSC</a:t>
-            </a:r>
-            <a:endParaRPr lang="en-US"/>
-          </a:p>
-        </p:txBody>
-      </p:sp>
-      <p:sp>
-        <p:nvSpPr>
-          <p:cNvPr id="19464" name="Rectangle 8"/>
-          <p:cNvSpPr>
-            <a:spLocks noChangeArrowheads="1"/>
-          </p:cNvSpPr>
-          <p:nvPr/>
-        </p:nvSpPr>
-        <p:spPr bwMode="auto">
-          <a:xfrm>
-            <a:off x="5394325" y="3733800"/>
-            <a:ext cx="1216025" cy="685800"/>
-          </a:xfrm>
-          <a:prstGeom prst="rect">
-            <a:avLst/>
-          </a:prstGeom>
-          <a:solidFill>
-            <a:schemeClr val="folHlink"/>
-          </a:solidFill>
-          <a:ln w="9525">
-            <a:noFill/>
-            <a:miter lim="800000"/>
-            <a:headEnd/>
-            <a:tailEnd/>
-          </a:ln>
-        </p:spPr>
-        <p:txBody>
-          <a:bodyPr wrap="none" anchor="ctr">
-            <a:prstTxWarp prst="textNoShape">
-              <a:avLst/>
-            </a:prstTxWarp>
-          </a:bodyPr>
-          <a:lstStyle/>
-          <a:p>
-            <a:pPr algn="ctr"/>
-            <a:r>
-              <a:rPr lang="en-US" sz="2000"/>
-              <a:t>sdsc-ia64</a:t>
-            </a:r>
-            <a:endParaRPr lang="en-US"/>
-          </a:p>
-        </p:txBody>
-      </p:sp>
-      <p:sp>
-        <p:nvSpPr>
-          <p:cNvPr id="19465" name="Rectangle 9"/>
-          <p:cNvSpPr>
-            <a:spLocks noChangeArrowheads="1"/>
-          </p:cNvSpPr>
-          <p:nvPr/>
-        </p:nvSpPr>
-        <p:spPr bwMode="auto">
-          <a:xfrm>
-            <a:off x="3943350" y="3733800"/>
-            <a:ext cx="1368425" cy="685800"/>
-          </a:xfrm>
-          <a:prstGeom prst="rect">
-            <a:avLst/>
-          </a:prstGeom>
-          <a:solidFill>
-            <a:schemeClr val="folHlink"/>
-          </a:solidFill>
-          <a:ln w="9525">
-            <a:noFill/>
-            <a:miter lim="800000"/>
-            <a:headEnd/>
-            <a:tailEnd/>
-          </a:ln>
-        </p:spPr>
-        <p:txBody>
-          <a:bodyPr wrap="none" anchor="ctr">
-            <a:prstTxWarp prst="textNoShape">
-              <a:avLst/>
-            </a:prstTxWarp>
-          </a:bodyPr>
-          <a:lstStyle/>
-          <a:p>
-            <a:pPr algn="ctr"/>
-            <a:r>
-              <a:rPr lang="en-US" sz="2000"/>
-              <a:t>onDemand</a:t>
-            </a:r>
-            <a:endParaRPr lang="en-US"/>
-          </a:p>
-        </p:txBody>
-      </p:sp>
-      <p:cxnSp>
-        <p:nvCxnSpPr>
-          <p:cNvPr id="19466" name="AutoShape 10"/>
-          <p:cNvCxnSpPr>
-            <a:cxnSpLocks noChangeShapeType="1"/>
-            <a:stCxn id="19465" idx="0"/>
-            <a:endCxn id="19462" idx="2"/>
-          </p:cNvCxnSpPr>
-          <p:nvPr/>
-        </p:nvCxnSpPr>
-        <p:spPr bwMode="auto">
-          <a:xfrm flipV="1">
-            <a:off x="4627563" y="3276600"/>
-            <a:ext cx="533400" cy="457200"/>
-          </a:xfrm>
-          <a:prstGeom prst="straightConnector1">
-            <a:avLst/>
-          </a:prstGeom>
-          <a:noFill/>
-          <a:ln w="9525">
-            <a:solidFill>
-              <a:schemeClr val="bg2"/>
-            </a:solidFill>
-            <a:round/>
-            <a:headEnd type="triangle" w="med" len="med"/>
-            <a:tailEnd/>
-          </a:ln>
-        </p:spPr>
-      </p:cxnSp>
-      <p:cxnSp>
-        <p:nvCxnSpPr>
-          <p:cNvPr id="19468" name="AutoShape 12"/>
-          <p:cNvCxnSpPr>
-            <a:cxnSpLocks noChangeShapeType="1"/>
-            <a:stCxn id="19462" idx="2"/>
-            <a:endCxn id="19464" idx="0"/>
-          </p:cNvCxnSpPr>
-          <p:nvPr/>
-        </p:nvCxnSpPr>
-        <p:spPr bwMode="auto">
-          <a:xfrm>
-            <a:off x="5160963" y="3276600"/>
-            <a:ext cx="841375" cy="457200"/>
-          </a:xfrm>
-          <a:prstGeom prst="straightConnector1">
-            <a:avLst/>
-          </a:prstGeom>
-          <a:noFill/>
-          <a:ln w="9525">
-            <a:solidFill>
-              <a:schemeClr val="bg2"/>
-            </a:solidFill>
-            <a:round/>
-            <a:headEnd/>
-            <a:tailEnd type="triangle" w="med" len="med"/>
-          </a:ln>
-        </p:spPr>
-      </p:cxnSp>
-      <p:cxnSp>
-        <p:nvCxnSpPr>
-          <p:cNvPr id="19469" name="AutoShape 13"/>
-          <p:cNvCxnSpPr>
-            <a:cxnSpLocks noChangeShapeType="1"/>
-            <a:stCxn id="19462" idx="0"/>
-            <a:endCxn id="19460" idx="2"/>
-          </p:cNvCxnSpPr>
-          <p:nvPr/>
-        </p:nvCxnSpPr>
-        <p:spPr bwMode="auto">
-          <a:xfrm flipV="1">
-            <a:off x="5160963" y="2057400"/>
-            <a:ext cx="1887537" cy="533400"/>
-          </a:xfrm>
-          <a:prstGeom prst="straightConnector1">
-            <a:avLst/>
-          </a:prstGeom>
-          <a:noFill/>
-          <a:ln w="9525">
-            <a:solidFill>
-              <a:schemeClr val="bg2"/>
-            </a:solidFill>
-            <a:round/>
-            <a:headEnd type="triangle" w="med" len="med"/>
-            <a:tailEnd/>
-          </a:ln>
-        </p:spPr>
-      </p:cxnSp>
-      <p:sp>
-        <p:nvSpPr>
-          <p:cNvPr id="19472" name="Rectangle 16"/>
-          <p:cNvSpPr>
-            <a:spLocks noChangeArrowheads="1"/>
-          </p:cNvSpPr>
-          <p:nvPr/>
-        </p:nvSpPr>
-        <p:spPr bwMode="auto">
-          <a:xfrm>
-            <a:off x="7391400" y="3733800"/>
-            <a:ext cx="1219200" cy="685800"/>
-          </a:xfrm>
-          <a:prstGeom prst="rect">
-            <a:avLst/>
-          </a:prstGeom>
-          <a:solidFill>
-            <a:schemeClr val="folHlink"/>
-          </a:solidFill>
-          <a:ln w="9525">
-            <a:noFill/>
-            <a:miter lim="800000"/>
-            <a:headEnd/>
-            <a:tailEnd/>
-          </a:ln>
-        </p:spPr>
-        <p:txBody>
-          <a:bodyPr wrap="none" anchor="ctr">
-            <a:prstTxWarp prst="textNoShape">
-              <a:avLst/>
-            </a:prstTxWarp>
-          </a:bodyPr>
-          <a:lstStyle/>
-          <a:p>
-            <a:pPr algn="ctr"/>
-            <a:r>
-              <a:rPr lang="en-US" sz="2000"/>
-              <a:t>ncsa-ia64</a:t>
-            </a:r>
-            <a:endParaRPr lang="en-US"/>
-          </a:p>
-        </p:txBody>
-      </p:sp>
-      <p:sp>
-        <p:nvSpPr>
-          <p:cNvPr id="19476" name="Rectangle 20"/>
-          <p:cNvSpPr>
-            <a:spLocks noChangeArrowheads="1"/>
-          </p:cNvSpPr>
-          <p:nvPr/>
-        </p:nvSpPr>
-        <p:spPr bwMode="auto">
-          <a:xfrm>
-            <a:off x="5975350" y="2597150"/>
-            <a:ext cx="1447800" cy="685800"/>
-          </a:xfrm>
-          <a:prstGeom prst="rect">
-            <a:avLst/>
-          </a:prstGeom>
-          <a:solidFill>
-            <a:schemeClr val="accent2"/>
-          </a:solidFill>
-          <a:ln w="9525">
-            <a:noFill/>
-            <a:miter lim="800000"/>
-            <a:headEnd/>
-            <a:tailEnd/>
-          </a:ln>
-        </p:spPr>
-        <p:txBody>
-          <a:bodyPr wrap="none" anchor="ctr">
-            <a:prstTxWarp prst="textNoShape">
-              <a:avLst/>
-            </a:prstTxWarp>
-          </a:bodyPr>
-          <a:lstStyle/>
-          <a:p>
-            <a:pPr algn="ctr"/>
-            <a:r>
-              <a:rPr lang="en-US" sz="2000">
-                <a:solidFill>
-                  <a:schemeClr val="bg1"/>
-                </a:solidFill>
-              </a:rPr>
-              <a:t>IA-64</a:t>
-            </a:r>
-            <a:endParaRPr lang="en-US"/>
-          </a:p>
-        </p:txBody>
-      </p:sp>
-      <p:cxnSp>
-        <p:nvCxnSpPr>
-          <p:cNvPr id="19477" name="AutoShape 21"/>
-          <p:cNvCxnSpPr>
-            <a:cxnSpLocks noChangeShapeType="1"/>
-            <a:stCxn id="19472" idx="0"/>
-            <a:endCxn id="19476" idx="2"/>
-          </p:cNvCxnSpPr>
-          <p:nvPr/>
-        </p:nvCxnSpPr>
-        <p:spPr bwMode="auto">
-          <a:xfrm flipH="1" flipV="1">
-            <a:off x="6699250" y="3282950"/>
-            <a:ext cx="1301750" cy="450850"/>
-          </a:xfrm>
-          <a:prstGeom prst="straightConnector1">
-            <a:avLst/>
-          </a:prstGeom>
-          <a:noFill/>
-          <a:ln w="9525">
-            <a:solidFill>
-              <a:schemeClr val="bg2"/>
-            </a:solidFill>
-            <a:round/>
-            <a:headEnd type="triangle" w="med" len="med"/>
-            <a:tailEnd/>
-          </a:ln>
-        </p:spPr>
-      </p:cxnSp>
-      <p:cxnSp>
-        <p:nvCxnSpPr>
-          <p:cNvPr id="19478" name="AutoShape 22"/>
-          <p:cNvCxnSpPr>
-            <a:cxnSpLocks noChangeShapeType="1"/>
-            <a:stCxn id="19476" idx="2"/>
-            <a:endCxn id="19464" idx="0"/>
-          </p:cNvCxnSpPr>
-          <p:nvPr/>
-        </p:nvCxnSpPr>
-        <p:spPr bwMode="auto">
-          <a:xfrm flipH="1">
-            <a:off x="6002338" y="3282950"/>
-            <a:ext cx="696912" cy="450850"/>
-          </a:xfrm>
-          <a:prstGeom prst="straightConnector1">
-            <a:avLst/>
-          </a:prstGeom>
-          <a:noFill/>
-          <a:ln w="9525">
-            <a:solidFill>
-              <a:schemeClr val="bg2"/>
-            </a:solidFill>
-            <a:round/>
-            <a:headEnd/>
-            <a:tailEnd type="triangle" w="med" len="med"/>
-          </a:ln>
-        </p:spPr>
-      </p:cxnSp>
+            <a:endParaRPr lang="en-US" sz="2000" dirty="0"/>
+          </a:p>
+        </p:txBody>
+      </p:sp>
       <p:sp>
         <p:nvSpPr>
           <p:cNvPr id="19480" name="Rectangle 24"/>
@@ -25338,11 +25208,11 @@
               <a:buChar char="•"/>
             </a:pPr>
             <a:r>
-              <a:rPr lang="en-US"/>
+              <a:rPr lang="en-US" dirty="0"/>
               <a:t>A </a:t>
             </a:r>
             <a:r>
-              <a:rPr lang="en-US" b="1">
+              <a:rPr lang="en-US" b="1" dirty="0">
                 <a:solidFill>
                   <a:schemeClr val="accent2"/>
                 </a:solidFill>
@@ -25350,7 +25220,7 @@
               <a:t>resource group</a:t>
             </a:r>
             <a:r>
-              <a:rPr lang="en-US"/>
+              <a:rPr lang="en-US" dirty="0"/>
               <a:t> is two or more related resources</a:t>
             </a:r>
           </a:p>
@@ -25370,7 +25240,7 @@
               <a:buChar char="•"/>
             </a:pPr>
             <a:r>
-              <a:rPr lang="en-US" sz="2000"/>
+              <a:rPr lang="en-US" sz="2000" dirty="0"/>
               <a:t>Shared characteristic </a:t>
             </a:r>
           </a:p>
@@ -25388,9 +25258,22 @@
               <a:buSzPct val="100000"/>
             </a:pPr>
             <a:r>
-              <a:rPr lang="en-US" sz="2000"/>
-              <a:t>	(e.g., ia64 arch)</a:t>
-            </a:r>
+              <a:rPr lang="en-US" sz="2000" dirty="0"/>
+              <a:t>	(e.g.,</a:t>
+            </a:r>
+            <a:r>
+              <a:rPr lang="en-US" sz="2000" dirty="0" smtClean="0"/>
+              <a:t> </a:t>
+            </a:r>
+            <a:r>
+              <a:rPr lang="en-US" sz="2000" dirty="0" err="1" smtClean="0"/>
+              <a:t>CentOS</a:t>
+            </a:r>
+            <a:r>
+              <a:rPr lang="en-US" sz="2000" dirty="0" smtClean="0"/>
+              <a:t>)</a:t>
+            </a:r>
+            <a:endParaRPr lang="en-US" sz="2000" dirty="0"/>
           </a:p>
           <a:p>
             <a:pPr marL="742950" lvl="1" indent="-285750">
@@ -25408,7 +25291,7 @@
               <a:buChar char="•"/>
             </a:pPr>
             <a:r>
-              <a:rPr lang="en-US" sz="2000"/>
+              <a:rPr lang="en-US" sz="2000" dirty="0"/>
               <a:t>Site </a:t>
             </a:r>
           </a:p>
@@ -25428,7 +25311,7 @@
               <a:buChar char="•"/>
             </a:pPr>
             <a:r>
-              <a:rPr lang="en-US" sz="2000"/>
+              <a:rPr lang="en-US" sz="2000" dirty="0"/>
               <a:t>VO</a:t>
             </a:r>
           </a:p>
@@ -25632,16 +25515,58 @@
       </p:sp>
       <p:sp>
         <p:nvSpPr>
-          <p:cNvPr id="19486" name="Rectangle 30"/>
-          <p:cNvSpPr>
+          <p:cNvPr id="19490" name="Text Box 34"/>
+          <p:cNvSpPr txBox="1">
             <a:spLocks noChangeArrowheads="1"/>
           </p:cNvSpPr>
           <p:nvPr/>
         </p:nvSpPr>
         <p:spPr bwMode="auto">
           <a:xfrm>
-            <a:off x="7489825" y="2590800"/>
-            <a:ext cx="1371600" cy="685800"/>
+            <a:off x="8594725" y="3781425"/>
+            <a:ext cx="488950" cy="457200"/>
+          </a:xfrm>
+          <a:prstGeom prst="rect">
+            <a:avLst/>
+          </a:prstGeom>
+          <a:noFill/>
+          <a:ln w="9525">
+            <a:noFill/>
+            <a:miter lim="800000"/>
+            <a:headEnd/>
+            <a:tailEnd/>
+          </a:ln>
+        </p:spPr>
+        <p:txBody>
+          <a:bodyPr wrap="none">
+            <a:prstTxWarp prst="textNoShape">
+              <a:avLst/>
+            </a:prstTxWarp>
+            <a:spAutoFit/>
+          </a:bodyPr>
+          <a:lstStyle/>
+          <a:p>
+            <a:r>
+              <a:rPr lang="en-US">
+                <a:latin typeface="Arial" charset="0"/>
+              </a:rPr>
+              <a:t>…</a:t>
+            </a:r>
+          </a:p>
+        </p:txBody>
+      </p:sp>
+      <p:sp>
+        <p:nvSpPr>
+          <p:cNvPr id="46" name="Rectangle 43"/>
+          <p:cNvSpPr>
+            <a:spLocks noChangeArrowheads="1"/>
+          </p:cNvSpPr>
+          <p:nvPr/>
+        </p:nvSpPr>
+        <p:spPr bwMode="auto">
+          <a:xfrm>
+            <a:off x="6324600" y="1371600"/>
+            <a:ext cx="1447800" cy="685800"/>
           </a:xfrm>
           <a:prstGeom prst="rect">
             <a:avLst/>
@@ -25671,26 +25596,179 @@
                   <a:schemeClr val="bg1"/>
                 </a:solidFill>
               </a:rPr>
-              <a:t>NCSA</a:t>
-            </a:r>
-            <a:endParaRPr lang="en-US"/>
+              <a:t>TeraGrid</a:t>
+            </a:r>
+            <a:endParaRPr lang="en-US">
+              <a:solidFill>
+                <a:schemeClr val="bg1"/>
+              </a:solidFill>
+            </a:endParaRPr>
+          </a:p>
+        </p:txBody>
+      </p:sp>
+      <p:sp>
+        <p:nvSpPr>
+          <p:cNvPr id="47" name="Rectangle 44"/>
+          <p:cNvSpPr>
+            <a:spLocks noChangeArrowheads="1"/>
+          </p:cNvSpPr>
+          <p:nvPr/>
+        </p:nvSpPr>
+        <p:spPr bwMode="auto">
+          <a:xfrm>
+            <a:off x="4437063" y="2590800"/>
+            <a:ext cx="1447800" cy="685800"/>
+          </a:xfrm>
+          <a:prstGeom prst="rect">
+            <a:avLst/>
+          </a:prstGeom>
+          <a:solidFill>
+            <a:schemeClr val="accent2"/>
+          </a:solidFill>
+          <a:ln w="9525">
+            <a:noFill/>
+            <a:miter lim="800000"/>
+            <a:headEnd/>
+            <a:tailEnd/>
+          </a:ln>
+        </p:spPr>
+        <p:txBody>
+          <a:bodyPr wrap="none" anchor="ctr">
+            <a:prstTxWarp prst="textNoShape">
+              <a:avLst/>
+            </a:prstTxWarp>
+          </a:bodyPr>
+          <a:lstStyle/>
+          <a:p>
+            <a:pPr algn="ctr"/>
+            <a:r>
+              <a:rPr lang="en-US" sz="2000" dirty="0" smtClean="0">
+                <a:solidFill>
+                  <a:schemeClr val="bg1"/>
+                </a:solidFill>
+              </a:rPr>
+              <a:t>TACC</a:t>
+            </a:r>
+            <a:endParaRPr lang="en-US" dirty="0"/>
+          </a:p>
+        </p:txBody>
+      </p:sp>
+      <p:sp>
+        <p:nvSpPr>
+          <p:cNvPr id="48" name="Rectangle 45"/>
+          <p:cNvSpPr>
+            <a:spLocks noChangeArrowheads="1"/>
+          </p:cNvSpPr>
+          <p:nvPr/>
+        </p:nvSpPr>
+        <p:spPr bwMode="auto">
+          <a:xfrm>
+            <a:off x="5394325" y="3733800"/>
+            <a:ext cx="1216025" cy="685800"/>
+          </a:xfrm>
+          <a:prstGeom prst="rect">
+            <a:avLst/>
+          </a:prstGeom>
+          <a:solidFill>
+            <a:schemeClr val="folHlink"/>
+          </a:solidFill>
+          <a:ln w="9525">
+            <a:noFill/>
+            <a:miter lim="800000"/>
+            <a:headEnd/>
+            <a:tailEnd/>
+          </a:ln>
+        </p:spPr>
+        <p:txBody>
+          <a:bodyPr wrap="none" anchor="ctr">
+            <a:prstTxWarp prst="textNoShape">
+              <a:avLst/>
+            </a:prstTxWarp>
+          </a:bodyPr>
+          <a:lstStyle/>
+          <a:p>
+            <a:pPr algn="ctr"/>
+            <a:r>
+              <a:rPr lang="en-US" sz="2000" dirty="0" err="1" smtClean="0"/>
+              <a:t>t</a:t>
+            </a:r>
+            <a:r>
+              <a:rPr lang="en-US" sz="2000" dirty="0" err="1" smtClean="0"/>
+              <a:t>acc</a:t>
+            </a:r>
+            <a:r>
+              <a:rPr lang="en-US" sz="2000" dirty="0" smtClean="0"/>
+              <a:t>-ranger</a:t>
+            </a:r>
+            <a:endParaRPr lang="en-US" dirty="0"/>
+          </a:p>
+        </p:txBody>
+      </p:sp>
+      <p:sp>
+        <p:nvSpPr>
+          <p:cNvPr id="49" name="Rectangle 46"/>
+          <p:cNvSpPr>
+            <a:spLocks noChangeArrowheads="1"/>
+          </p:cNvSpPr>
+          <p:nvPr/>
+        </p:nvSpPr>
+        <p:spPr bwMode="auto">
+          <a:xfrm>
+            <a:off x="3943350" y="3733800"/>
+            <a:ext cx="1368425" cy="685800"/>
+          </a:xfrm>
+          <a:prstGeom prst="rect">
+            <a:avLst/>
+          </a:prstGeom>
+          <a:solidFill>
+            <a:schemeClr val="folHlink"/>
+          </a:solidFill>
+          <a:ln w="9525">
+            <a:noFill/>
+            <a:miter lim="800000"/>
+            <a:headEnd/>
+            <a:tailEnd/>
+          </a:ln>
+        </p:spPr>
+        <p:txBody>
+          <a:bodyPr wrap="none" anchor="ctr">
+            <a:prstTxWarp prst="textNoShape">
+              <a:avLst/>
+            </a:prstTxWarp>
+          </a:bodyPr>
+          <a:lstStyle/>
+          <a:p>
+            <a:pPr algn="ctr"/>
+            <a:r>
+              <a:rPr lang="en-US" sz="2000" dirty="0" err="1" smtClean="0"/>
+              <a:t>t</a:t>
+            </a:r>
+            <a:r>
+              <a:rPr lang="en-US" sz="2000" dirty="0" err="1" smtClean="0"/>
+              <a:t>acc</a:t>
+            </a:r>
+            <a:r>
+              <a:rPr lang="en-US" sz="2000" dirty="0" smtClean="0"/>
+              <a:t>-spur</a:t>
+            </a:r>
+            <a:endParaRPr lang="en-US" dirty="0"/>
           </a:p>
         </p:txBody>
       </p:sp>
       <p:cxnSp>
         <p:nvCxnSpPr>
-          <p:cNvPr id="19487" name="AutoShape 31"/>
+          <p:cNvPr id="50" name="AutoShape 47"/>
           <p:cNvCxnSpPr>
             <a:cxnSpLocks noChangeShapeType="1"/>
-            <a:stCxn id="19486" idx="0"/>
-            <a:endCxn id="19460" idx="2"/>
+            <a:stCxn id="49" idx="0"/>
+            <a:endCxn id="47" idx="2"/>
           </p:cNvCxnSpPr>
           <p:nvPr/>
         </p:nvCxnSpPr>
         <p:spPr bwMode="auto">
-          <a:xfrm flipH="1" flipV="1">
-            <a:off x="7048500" y="2057400"/>
-            <a:ext cx="1127125" cy="533400"/>
+          <a:xfrm flipV="1">
+            <a:off x="4627563" y="3276600"/>
+            <a:ext cx="533400" cy="457200"/>
           </a:xfrm>
           <a:prstGeom prst="straightConnector1">
             <a:avLst/>
@@ -25708,16 +25786,47 @@
       </p:cxnSp>
       <p:cxnSp>
         <p:nvCxnSpPr>
-          <p:cNvPr id="19488" name="AutoShape 32"/>
+          <p:cNvPr id="51" name="AutoShape 48"/>
           <p:cNvCxnSpPr>
             <a:cxnSpLocks noChangeShapeType="1"/>
+            <a:stCxn id="47" idx="2"/>
+            <a:endCxn id="48" idx="0"/>
+          </p:cNvCxnSpPr>
+          <p:nvPr/>
+        </p:nvCxnSpPr>
+        <p:spPr bwMode="auto">
+          <a:xfrm>
+            <a:off x="5160963" y="3276600"/>
+            <a:ext cx="841375" cy="457200"/>
+          </a:xfrm>
+          <a:prstGeom prst="straightConnector1">
+            <a:avLst/>
+          </a:prstGeom>
+          <a:noFill/>
+          <a:ln w="9525">
+            <a:solidFill>
+              <a:schemeClr val="bg2"/>
+            </a:solidFill>
+            <a:round/>
+            <a:headEnd/>
+            <a:tailEnd type="triangle" w="med" len="med"/>
+          </a:ln>
+        </p:spPr>
+      </p:cxnSp>
+      <p:cxnSp>
+        <p:nvCxnSpPr>
+          <p:cNvPr id="52" name="AutoShape 49"/>
+          <p:cNvCxnSpPr>
+            <a:cxnSpLocks noChangeShapeType="1"/>
+            <a:stCxn id="47" idx="0"/>
+            <a:endCxn id="46" idx="2"/>
           </p:cNvCxnSpPr>
           <p:nvPr/>
         </p:nvCxnSpPr>
         <p:spPr bwMode="auto">
           <a:xfrm flipV="1">
-            <a:off x="8001000" y="3259138"/>
-            <a:ext cx="174625" cy="457200"/>
+            <a:off x="5160963" y="2057400"/>
+            <a:ext cx="1887537" cy="533400"/>
           </a:xfrm>
           <a:prstGeom prst="straightConnector1">
             <a:avLst/>
@@ -25735,7 +25844,424 @@
       </p:cxnSp>
       <p:sp>
         <p:nvSpPr>
-          <p:cNvPr id="19489" name="Line 33"/>
+          <p:cNvPr id="53" name="Rectangle 50"/>
+          <p:cNvSpPr>
+            <a:spLocks noChangeArrowheads="1"/>
+          </p:cNvSpPr>
+          <p:nvPr/>
+        </p:nvSpPr>
+        <p:spPr bwMode="auto">
+          <a:xfrm>
+            <a:off x="7391400" y="3733800"/>
+            <a:ext cx="1219200" cy="685800"/>
+          </a:xfrm>
+          <a:prstGeom prst="rect">
+            <a:avLst/>
+          </a:prstGeom>
+          <a:solidFill>
+            <a:schemeClr val="folHlink"/>
+          </a:solidFill>
+          <a:ln w="9525">
+            <a:noFill/>
+            <a:miter lim="800000"/>
+            <a:headEnd/>
+            <a:tailEnd/>
+          </a:ln>
+        </p:spPr>
+        <p:txBody>
+          <a:bodyPr wrap="none" anchor="ctr">
+            <a:prstTxWarp prst="textNoShape">
+              <a:avLst/>
+            </a:prstTxWarp>
+          </a:bodyPr>
+          <a:lstStyle/>
+          <a:p>
+            <a:pPr algn="ctr"/>
+            <a:r>
+              <a:rPr lang="en-US" sz="2000" dirty="0" err="1" smtClean="0"/>
+              <a:t>s</a:t>
+            </a:r>
+            <a:r>
+              <a:rPr lang="en-US" sz="2000" dirty="0" err="1" smtClean="0"/>
+              <a:t>dsc</a:t>
+            </a:r>
+            <a:r>
+              <a:rPr lang="en-US" sz="2000" dirty="0" smtClean="0"/>
+              <a:t>-dash</a:t>
+            </a:r>
+            <a:endParaRPr lang="en-US" dirty="0"/>
+          </a:p>
+        </p:txBody>
+      </p:sp>
+      <p:sp>
+        <p:nvSpPr>
+          <p:cNvPr id="54" name="Rectangle 51"/>
+          <p:cNvSpPr>
+            <a:spLocks noChangeArrowheads="1"/>
+          </p:cNvSpPr>
+          <p:nvPr/>
+        </p:nvSpPr>
+        <p:spPr bwMode="auto">
+          <a:xfrm>
+            <a:off x="5975350" y="2597150"/>
+            <a:ext cx="1447800" cy="685800"/>
+          </a:xfrm>
+          <a:prstGeom prst="rect">
+            <a:avLst/>
+          </a:prstGeom>
+          <a:solidFill>
+            <a:schemeClr val="accent2"/>
+          </a:solidFill>
+          <a:ln w="9525">
+            <a:noFill/>
+            <a:miter lim="800000"/>
+            <a:headEnd/>
+            <a:tailEnd/>
+          </a:ln>
+        </p:spPr>
+        <p:txBody>
+          <a:bodyPr wrap="none" anchor="ctr">
+            <a:prstTxWarp prst="textNoShape">
+              <a:avLst/>
+            </a:prstTxWarp>
+          </a:bodyPr>
+          <a:lstStyle/>
+          <a:p>
+            <a:pPr algn="ctr"/>
+            <a:r>
+              <a:rPr lang="en-US" sz="2000" dirty="0" err="1" smtClean="0">
+                <a:solidFill>
+                  <a:schemeClr val="bg1"/>
+                </a:solidFill>
+              </a:rPr>
+              <a:t>CentOS</a:t>
+            </a:r>
+            <a:endParaRPr lang="en-US" dirty="0"/>
+          </a:p>
+        </p:txBody>
+      </p:sp>
+      <p:cxnSp>
+        <p:nvCxnSpPr>
+          <p:cNvPr id="55" name="AutoShape 52"/>
+          <p:cNvCxnSpPr>
+            <a:cxnSpLocks noChangeShapeType="1"/>
+            <a:stCxn id="53" idx="0"/>
+            <a:endCxn id="54" idx="2"/>
+          </p:cNvCxnSpPr>
+          <p:nvPr/>
+        </p:nvCxnSpPr>
+        <p:spPr bwMode="auto">
+          <a:xfrm flipH="1" flipV="1">
+            <a:off x="6699250" y="3282950"/>
+            <a:ext cx="1301750" cy="450850"/>
+          </a:xfrm>
+          <a:prstGeom prst="straightConnector1">
+            <a:avLst/>
+          </a:prstGeom>
+          <a:noFill/>
+          <a:ln w="9525">
+            <a:solidFill>
+              <a:schemeClr val="bg2"/>
+            </a:solidFill>
+            <a:round/>
+            <a:headEnd type="triangle" w="med" len="med"/>
+            <a:tailEnd/>
+          </a:ln>
+        </p:spPr>
+      </p:cxnSp>
+      <p:cxnSp>
+        <p:nvCxnSpPr>
+          <p:cNvPr id="56" name="AutoShape 53"/>
+          <p:cNvCxnSpPr>
+            <a:cxnSpLocks noChangeShapeType="1"/>
+            <a:stCxn id="54" idx="2"/>
+            <a:endCxn id="48" idx="0"/>
+          </p:cNvCxnSpPr>
+          <p:nvPr/>
+        </p:nvCxnSpPr>
+        <p:spPr bwMode="auto">
+          <a:xfrm flipH="1">
+            <a:off x="6002338" y="3282950"/>
+            <a:ext cx="696912" cy="450850"/>
+          </a:xfrm>
+          <a:prstGeom prst="straightConnector1">
+            <a:avLst/>
+          </a:prstGeom>
+          <a:noFill/>
+          <a:ln w="9525">
+            <a:solidFill>
+              <a:schemeClr val="bg2"/>
+            </a:solidFill>
+            <a:round/>
+            <a:headEnd/>
+            <a:tailEnd type="triangle" w="med" len="med"/>
+          </a:ln>
+        </p:spPr>
+      </p:cxnSp>
+      <p:sp>
+        <p:nvSpPr>
+          <p:cNvPr id="57" name="Rectangle 54"/>
+          <p:cNvSpPr>
+            <a:spLocks noChangeArrowheads="1"/>
+          </p:cNvSpPr>
+          <p:nvPr/>
+        </p:nvSpPr>
+        <p:spPr bwMode="auto">
+          <a:xfrm>
+            <a:off x="5327650" y="4984750"/>
+            <a:ext cx="762000" cy="304800"/>
+          </a:xfrm>
+          <a:prstGeom prst="rect">
+            <a:avLst/>
+          </a:prstGeom>
+          <a:solidFill>
+            <a:schemeClr val="accent2"/>
+          </a:solidFill>
+          <a:ln w="9525">
+            <a:noFill/>
+            <a:miter lim="800000"/>
+            <a:headEnd/>
+            <a:tailEnd/>
+          </a:ln>
+        </p:spPr>
+        <p:txBody>
+          <a:bodyPr wrap="none" anchor="ctr">
+            <a:prstTxWarp prst="textNoShape">
+              <a:avLst/>
+            </a:prstTxWarp>
+          </a:bodyPr>
+          <a:lstStyle/>
+          <a:p>
+            <a:endParaRPr lang="en-US"/>
+          </a:p>
+        </p:txBody>
+      </p:sp>
+      <p:sp>
+        <p:nvSpPr>
+          <p:cNvPr id="58" name="Text Box 55"/>
+          <p:cNvSpPr txBox="1">
+            <a:spLocks noChangeArrowheads="1"/>
+          </p:cNvSpPr>
+          <p:nvPr/>
+        </p:nvSpPr>
+        <p:spPr bwMode="auto">
+          <a:xfrm>
+            <a:off x="6226175" y="4930775"/>
+            <a:ext cx="1841500" cy="396875"/>
+          </a:xfrm>
+          <a:prstGeom prst="rect">
+            <a:avLst/>
+          </a:prstGeom>
+          <a:noFill/>
+          <a:ln w="9525">
+            <a:noFill/>
+            <a:miter lim="800000"/>
+            <a:headEnd/>
+            <a:tailEnd/>
+          </a:ln>
+        </p:spPr>
+        <p:txBody>
+          <a:bodyPr wrap="none">
+            <a:prstTxWarp prst="textNoShape">
+              <a:avLst/>
+            </a:prstTxWarp>
+            <a:spAutoFit/>
+          </a:bodyPr>
+          <a:lstStyle/>
+          <a:p>
+            <a:r>
+              <a:rPr lang="en-US" sz="2000"/>
+              <a:t>Resource Group</a:t>
+            </a:r>
+            <a:endParaRPr lang="en-US"/>
+          </a:p>
+        </p:txBody>
+      </p:sp>
+      <p:sp>
+        <p:nvSpPr>
+          <p:cNvPr id="59" name="Rectangle 56"/>
+          <p:cNvSpPr>
+            <a:spLocks noChangeArrowheads="1"/>
+          </p:cNvSpPr>
+          <p:nvPr/>
+        </p:nvSpPr>
+        <p:spPr bwMode="auto">
+          <a:xfrm>
+            <a:off x="5327650" y="5441950"/>
+            <a:ext cx="762000" cy="304800"/>
+          </a:xfrm>
+          <a:prstGeom prst="rect">
+            <a:avLst/>
+          </a:prstGeom>
+          <a:solidFill>
+            <a:schemeClr val="folHlink"/>
+          </a:solidFill>
+          <a:ln w="9525">
+            <a:noFill/>
+            <a:miter lim="800000"/>
+            <a:headEnd/>
+            <a:tailEnd/>
+          </a:ln>
+        </p:spPr>
+        <p:txBody>
+          <a:bodyPr wrap="none" anchor="ctr">
+            <a:prstTxWarp prst="textNoShape">
+              <a:avLst/>
+            </a:prstTxWarp>
+          </a:bodyPr>
+          <a:lstStyle/>
+          <a:p>
+            <a:endParaRPr lang="en-US"/>
+          </a:p>
+        </p:txBody>
+      </p:sp>
+      <p:sp>
+        <p:nvSpPr>
+          <p:cNvPr id="60" name="Text Box 57"/>
+          <p:cNvSpPr txBox="1">
+            <a:spLocks noChangeArrowheads="1"/>
+          </p:cNvSpPr>
+          <p:nvPr/>
+        </p:nvSpPr>
+        <p:spPr bwMode="auto">
+          <a:xfrm>
+            <a:off x="6226175" y="5387975"/>
+            <a:ext cx="1128713" cy="396875"/>
+          </a:xfrm>
+          <a:prstGeom prst="rect">
+            <a:avLst/>
+          </a:prstGeom>
+          <a:noFill/>
+          <a:ln w="9525">
+            <a:noFill/>
+            <a:miter lim="800000"/>
+            <a:headEnd/>
+            <a:tailEnd/>
+          </a:ln>
+        </p:spPr>
+        <p:txBody>
+          <a:bodyPr wrap="none">
+            <a:prstTxWarp prst="textNoShape">
+              <a:avLst/>
+            </a:prstTxWarp>
+            <a:spAutoFit/>
+          </a:bodyPr>
+          <a:lstStyle/>
+          <a:p>
+            <a:r>
+              <a:rPr lang="en-US" sz="2000"/>
+              <a:t>Resource</a:t>
+            </a:r>
+            <a:endParaRPr lang="en-US"/>
+          </a:p>
+        </p:txBody>
+      </p:sp>
+      <p:sp>
+        <p:nvSpPr>
+          <p:cNvPr id="62" name="Rectangle 59"/>
+          <p:cNvSpPr>
+            <a:spLocks noChangeArrowheads="1"/>
+          </p:cNvSpPr>
+          <p:nvPr/>
+        </p:nvSpPr>
+        <p:spPr bwMode="auto">
+          <a:xfrm>
+            <a:off x="7489825" y="2590800"/>
+            <a:ext cx="1371600" cy="685800"/>
+          </a:xfrm>
+          <a:prstGeom prst="rect">
+            <a:avLst/>
+          </a:prstGeom>
+          <a:solidFill>
+            <a:schemeClr val="accent2"/>
+          </a:solidFill>
+          <a:ln w="9525">
+            <a:noFill/>
+            <a:miter lim="800000"/>
+            <a:headEnd/>
+            <a:tailEnd/>
+          </a:ln>
+        </p:spPr>
+        <p:txBody>
+          <a:bodyPr wrap="none" anchor="ctr">
+            <a:prstTxWarp prst="textNoShape">
+              <a:avLst/>
+            </a:prstTxWarp>
+          </a:bodyPr>
+          <a:lstStyle/>
+          <a:p>
+            <a:pPr algn="ctr"/>
+            <a:r>
+              <a:rPr lang="en-US" sz="2000" dirty="0" smtClean="0">
+                <a:solidFill>
+                  <a:schemeClr val="bg1"/>
+                </a:solidFill>
+              </a:rPr>
+              <a:t>SDSC</a:t>
+            </a:r>
+            <a:endParaRPr lang="en-US" dirty="0"/>
+          </a:p>
+        </p:txBody>
+      </p:sp>
+      <p:cxnSp>
+        <p:nvCxnSpPr>
+          <p:cNvPr id="63" name="AutoShape 60"/>
+          <p:cNvCxnSpPr>
+            <a:cxnSpLocks noChangeShapeType="1"/>
+            <a:stCxn id="62" idx="0"/>
+            <a:endCxn id="46" idx="2"/>
+          </p:cNvCxnSpPr>
+          <p:nvPr/>
+        </p:nvCxnSpPr>
+        <p:spPr bwMode="auto">
+          <a:xfrm flipH="1" flipV="1">
+            <a:off x="7048500" y="2057400"/>
+            <a:ext cx="1127125" cy="533400"/>
+          </a:xfrm>
+          <a:prstGeom prst="straightConnector1">
+            <a:avLst/>
+          </a:prstGeom>
+          <a:noFill/>
+          <a:ln w="9525">
+            <a:solidFill>
+              <a:schemeClr val="bg2"/>
+            </a:solidFill>
+            <a:round/>
+            <a:headEnd type="triangle" w="med" len="med"/>
+            <a:tailEnd/>
+          </a:ln>
+        </p:spPr>
+      </p:cxnSp>
+      <p:cxnSp>
+        <p:nvCxnSpPr>
+          <p:cNvPr id="64" name="AutoShape 61"/>
+          <p:cNvCxnSpPr>
+            <a:cxnSpLocks noChangeShapeType="1"/>
+          </p:cNvCxnSpPr>
+          <p:nvPr/>
+        </p:nvCxnSpPr>
+        <p:spPr bwMode="auto">
+          <a:xfrm flipV="1">
+            <a:off x="8001000" y="3259138"/>
+            <a:ext cx="174625" cy="457200"/>
+          </a:xfrm>
+          <a:prstGeom prst="straightConnector1">
+            <a:avLst/>
+          </a:prstGeom>
+          <a:noFill/>
+          <a:ln w="9525">
+            <a:solidFill>
+              <a:schemeClr val="bg2"/>
+            </a:solidFill>
+            <a:round/>
+            <a:headEnd type="triangle" w="med" len="med"/>
+            <a:tailEnd/>
+          </a:ln>
+        </p:spPr>
+      </p:cxnSp>
+      <p:sp>
+        <p:nvSpPr>
+          <p:cNvPr id="65" name="Line 62"/>
           <p:cNvSpPr>
             <a:spLocks noChangeShapeType="1"/>
           </p:cNvSpPr>
@@ -25768,48 +26294,6 @@
           <a:lstStyle/>
           <a:p>
             <a:endParaRPr lang="en-US"/>
-          </a:p>
-        </p:txBody>
-      </p:sp>
-      <p:sp>
-        <p:nvSpPr>
-          <p:cNvPr id="19490" name="Text Box 34"/>
-          <p:cNvSpPr txBox="1">
-            <a:spLocks noChangeArrowheads="1"/>
-          </p:cNvSpPr>
-          <p:nvPr/>
-        </p:nvSpPr>
-        <p:spPr bwMode="auto">
-          <a:xfrm>
-            <a:off x="8594725" y="3781425"/>
-            <a:ext cx="488950" cy="457200"/>
-          </a:xfrm>
-          <a:prstGeom prst="rect">
-            <a:avLst/>
-          </a:prstGeom>
-          <a:noFill/>
-          <a:ln w="9525">
-            <a:noFill/>
-            <a:miter lim="800000"/>
-            <a:headEnd/>
-            <a:tailEnd/>
-          </a:ln>
-        </p:spPr>
-        <p:txBody>
-          <a:bodyPr wrap="none">
-            <a:prstTxWarp prst="textNoShape">
-              <a:avLst/>
-            </a:prstTxWarp>
-            <a:spAutoFit/>
-          </a:bodyPr>
-          <a:lstStyle/>
-          <a:p>
-            <a:r>
-              <a:rPr lang="en-US">
-                <a:latin typeface="Arial" charset="0"/>
-              </a:rPr>
-              <a:t>…</a:t>
-            </a:r>
           </a:p>
         </p:txBody>
       </p:sp>
@@ -25893,7 +26377,7 @@
               </a:spcAft>
             </a:pPr>
             <a:r>
-              <a:rPr lang="en-US" sz="2400" b="1">
+              <a:rPr lang="en-US" sz="2400" b="1" dirty="0">
                 <a:solidFill>
                   <a:schemeClr val="accent2"/>
                 </a:solidFill>
@@ -25901,7 +26385,7 @@
               <a:t>Macros </a:t>
             </a:r>
             <a:r>
-              <a:rPr lang="en-US" sz="2400"/>
+              <a:rPr lang="en-US" sz="2400" dirty="0"/>
               <a:t>- Attributes (or variables) that describe your resource </a:t>
             </a:r>
           </a:p>
@@ -25912,7 +26396,7 @@
               </a:spcAft>
             </a:pPr>
             <a:r>
-              <a:rPr lang="en-US" sz="2400"/>
+              <a:rPr lang="en-US" sz="2400" dirty="0"/>
               <a:t> Can be defined in a resource or in a resource group</a:t>
             </a:r>
           </a:p>
@@ -25923,7 +26407,7 @@
               </a:spcAft>
             </a:pPr>
             <a:r>
-              <a:rPr lang="en-US" sz="2400"/>
+              <a:rPr lang="en-US" sz="2400" dirty="0"/>
               <a:t>Can be inherited -- most specific value wins</a:t>
             </a:r>
           </a:p>
@@ -25934,7 +26418,7 @@
               </a:spcAft>
             </a:pPr>
             <a:r>
-              <a:rPr lang="en-US" sz="2400"/>
+              <a:rPr lang="en-US" sz="2400" dirty="0"/>
               <a:t>Can have multiple values</a:t>
             </a:r>
           </a:p>
@@ -26034,9 +26518,10 @@
           <a:p>
             <a:pPr algn="ctr"/>
             <a:r>
-              <a:rPr lang="en-US" sz="2000"/>
-              <a:t>DataStar</a:t>
-            </a:r>
+              <a:rPr lang="en-US" sz="2000" dirty="0" smtClean="0"/>
+              <a:t>TACC Ranger </a:t>
+            </a:r>
+            <a:endParaRPr lang="en-US" sz="2000" dirty="0"/>
           </a:p>
         </p:txBody>
       </p:sp>
@@ -26076,8 +26561,20 @@
           <a:p>
             <a:pPr algn="ctr"/>
             <a:r>
-              <a:rPr lang="en-US" sz="2000"/>
-              <a:t>NCSA IA-64 Cluster</a:t>
+              <a:rPr lang="en-US" sz="2000" dirty="0" smtClean="0"/>
+              <a:t>NCSA</a:t>
+            </a:r>
+            <a:r>
+              <a:rPr lang="en-US" sz="2000" dirty="0" smtClean="0"/>
+              <a:t> Abe</a:t>
+            </a:r>
+            <a:r>
+              <a:rPr lang="en-US" sz="2000" dirty="0" smtClean="0"/>
+              <a:t> </a:t>
+            </a:r>
+            <a:r>
+              <a:rPr lang="en-US" sz="2000" dirty="0"/>
+              <a:t>Cluster</a:t>
             </a:r>
           </a:p>
         </p:txBody>
@@ -26200,8 +26697,8 @@
         </p:nvSpPr>
         <p:spPr bwMode="auto">
           <a:xfrm>
-            <a:off x="490538" y="5360988"/>
-            <a:ext cx="3733800" cy="838200"/>
+            <a:off x="259654" y="5380232"/>
+            <a:ext cx="4127158" cy="838200"/>
           </a:xfrm>
           <a:prstGeom prst="rect">
             <a:avLst/>
@@ -26225,34 +26722,47 @@
           <a:lstStyle/>
           <a:p>
             <a:r>
-              <a:rPr lang="en-US" sz="2000" b="1"/>
+              <a:rPr lang="en-US" sz="2000" b="1" dirty="0" err="1"/>
               <a:t>gramContact</a:t>
             </a:r>
             <a:r>
-              <a:rPr lang="en-US" sz="2000"/>
-              <a:t> = dslogin.sdsc.edu</a:t>
-            </a:r>
-          </a:p>
-          <a:p>
-            <a:r>
-              <a:rPr lang="en-US" sz="2000" b="1"/>
+              <a:rPr lang="en-US" sz="2000" dirty="0"/>
+              <a:t> =</a:t>
+            </a:r>
+            <a:r>
+              <a:rPr lang="en-US" sz="2000" dirty="0" smtClean="0"/>
+              <a:t> </a:t>
+            </a:r>
+            <a:r>
+              <a:rPr lang="en-US" sz="2000" dirty="0" err="1" smtClean="0"/>
+              <a:t>ranger.tacc.utexas.edu</a:t>
+            </a:r>
+            <a:endParaRPr lang="en-US" sz="2000" dirty="0" smtClean="0"/>
+          </a:p>
+          <a:p>
+            <a:r>
+              <a:rPr lang="en-US" sz="2000" b="1" dirty="0"/>
               <a:t>queue</a:t>
             </a:r>
             <a:r>
-              <a:rPr lang="en-US" sz="2000"/>
+              <a:rPr lang="en-US" sz="2000" dirty="0"/>
               <a:t> = default</a:t>
             </a:r>
           </a:p>
           <a:p>
             <a:r>
-              <a:rPr lang="en-US" sz="2000" b="1"/>
+              <a:rPr lang="en-US" sz="2000" b="1" dirty="0"/>
               <a:t>scheduler</a:t>
             </a:r>
             <a:r>
-              <a:rPr lang="en-US" sz="2000"/>
-              <a:t> = LSF</a:t>
-            </a:r>
-            <a:endParaRPr lang="en-US" sz="2800"/>
+              <a:rPr lang="en-US" sz="2000" dirty="0"/>
+              <a:t> =</a:t>
+            </a:r>
+            <a:r>
+              <a:rPr lang="en-US" sz="2000" dirty="0" smtClean="0"/>
+              <a:t> SGE</a:t>
+            </a:r>
+            <a:endParaRPr lang="en-US" sz="2800" dirty="0"/>
           </a:p>
         </p:txBody>
       </p:sp>
@@ -26291,21 +26801,38 @@
           <a:lstStyle/>
           <a:p>
             <a:r>
-              <a:rPr lang="en-US" sz="2000" b="1"/>
+              <a:rPr lang="en-US" sz="2000" b="1" dirty="0" err="1"/>
               <a:t>gramContact</a:t>
             </a:r>
             <a:r>
-              <a:rPr lang="en-US" sz="2000"/>
-              <a:t> = tg-login.ncsa.edu</a:t>
-            </a:r>
-          </a:p>
-          <a:p>
-            <a:r>
-              <a:rPr lang="en-US" sz="2000" b="1"/>
+              <a:rPr lang="en-US" sz="2000" dirty="0"/>
+              <a:t> =</a:t>
+            </a:r>
+            <a:r>
+              <a:rPr lang="en-US" sz="2000" dirty="0" smtClean="0"/>
+              <a:t> </a:t>
+            </a:r>
+            <a:r>
+              <a:rPr lang="en-US" sz="2000" dirty="0" smtClean="0"/>
+              <a:t>grid-</a:t>
+            </a:r>
+            <a:r>
+              <a:rPr lang="en-US" sz="2000" dirty="0" err="1" smtClean="0"/>
+              <a:t>abe</a:t>
+            </a:r>
+            <a:r>
+              <a:rPr lang="en-US" sz="2000" dirty="0" err="1" smtClean="0"/>
+              <a:t>.ncsa.edu</a:t>
+            </a:r>
+            <a:endParaRPr lang="en-US" sz="2000" dirty="0"/>
+          </a:p>
+          <a:p>
+            <a:r>
+              <a:rPr lang="en-US" sz="2000" b="1" dirty="0"/>
               <a:t>queue</a:t>
             </a:r>
             <a:r>
-              <a:rPr lang="en-US" sz="2000"/>
+              <a:rPr lang="en-US" sz="2000" dirty="0"/>
               <a:t> = standby</a:t>
             </a:r>
           </a:p>
@@ -28701,11 +29228,11 @@
           <a:lstStyle/>
           <a:p>
             <a:pPr marL="533400" indent="-533400"/>
-            <a:endParaRPr lang="en-US"/>
+            <a:endParaRPr lang="en-US" dirty="0"/>
           </a:p>
           <a:p>
             <a:pPr marL="533400" indent="-533400"/>
-            <a:endParaRPr lang="en-US" sz="2400"/>
+            <a:endParaRPr lang="en-US" sz="2400" dirty="0"/>
           </a:p>
           <a:p>
             <a:pPr marL="533400" indent="-533400">
@@ -28713,14 +29240,14 @@
               <a:buAutoNum type="arabicPeriod"/>
             </a:pPr>
             <a:r>
-              <a:rPr lang="en-US" sz="2400">
+              <a:rPr lang="en-US" sz="2400" dirty="0">
                 <a:solidFill>
                   <a:schemeClr val="folHlink"/>
                 </a:solidFill>
               </a:rPr>
               <a:t>Which resources do you want to monitor?</a:t>
             </a:r>
-            <a:endParaRPr lang="en-US" sz="2400">
+            <a:endParaRPr lang="en-US" sz="2400" dirty="0">
               <a:solidFill>
                 <a:schemeClr val="bg2"/>
               </a:solidFill>
@@ -28731,7 +29258,7 @@
               <a:buFont typeface="Arial" charset="0"/>
               <a:buAutoNum type="arabicPeriod"/>
             </a:pPr>
-            <a:endParaRPr lang="en-US"/>
+            <a:endParaRPr lang="en-US" dirty="0"/>
           </a:p>
           <a:p>
             <a:pPr marL="533400" indent="-533400">
@@ -28739,7 +29266,7 @@
               <a:buAutoNum type="arabicPeriod"/>
             </a:pPr>
             <a:r>
-              <a:rPr lang="en-US" sz="2400"/>
+              <a:rPr lang="en-US" sz="2400" dirty="0"/>
               <a:t>What do you want to monitor? </a:t>
             </a:r>
           </a:p>
@@ -28748,7 +29275,7 @@
               <a:buFont typeface="Arial" charset="0"/>
               <a:buAutoNum type="arabicPeriod"/>
             </a:pPr>
-            <a:endParaRPr lang="en-US" sz="2400"/>
+            <a:endParaRPr lang="en-US" sz="2400" dirty="0"/>
           </a:p>
           <a:p>
             <a:pPr marL="533400" indent="-533400">
@@ -28756,7 +29283,7 @@
               <a:buAutoNum type="arabicPeriod"/>
             </a:pPr>
             <a:r>
-              <a:rPr lang="en-US" sz="2400"/>
+              <a:rPr lang="en-US" sz="2400" dirty="0"/>
               <a:t>How do you want to monitor?</a:t>
             </a:r>
           </a:p>
